--- a/final_project_one_slides.pptx
+++ b/final_project_one_slides.pptx
@@ -4,6 +4,9 @@
   <p:sldMasterIdLst>
     <p:sldMasterId id="2147483660" r:id="rId1"/>
   </p:sldMasterIdLst>
+  <p:notesMasterIdLst>
+    <p:notesMasterId r:id="rId28"/>
+  </p:notesMasterIdLst>
   <p:sldIdLst>
     <p:sldId id="256" r:id="rId2"/>
     <p:sldId id="257" r:id="rId3"/>
@@ -19,17 +22,18 @@
     <p:sldId id="284" r:id="rId13"/>
     <p:sldId id="288" r:id="rId14"/>
     <p:sldId id="285" r:id="rId15"/>
-    <p:sldId id="291" r:id="rId16"/>
-    <p:sldId id="276" r:id="rId17"/>
-    <p:sldId id="289" r:id="rId18"/>
-    <p:sldId id="290" r:id="rId19"/>
-    <p:sldId id="283" r:id="rId20"/>
-    <p:sldId id="287" r:id="rId21"/>
-    <p:sldId id="286" r:id="rId22"/>
-    <p:sldId id="277" r:id="rId23"/>
-    <p:sldId id="280" r:id="rId24"/>
-    <p:sldId id="267" r:id="rId25"/>
-    <p:sldId id="278" r:id="rId26"/>
+    <p:sldId id="292" r:id="rId16"/>
+    <p:sldId id="291" r:id="rId17"/>
+    <p:sldId id="276" r:id="rId18"/>
+    <p:sldId id="289" r:id="rId19"/>
+    <p:sldId id="290" r:id="rId20"/>
+    <p:sldId id="283" r:id="rId21"/>
+    <p:sldId id="287" r:id="rId22"/>
+    <p:sldId id="286" r:id="rId23"/>
+    <p:sldId id="277" r:id="rId24"/>
+    <p:sldId id="293" r:id="rId25"/>
+    <p:sldId id="267" r:id="rId26"/>
+    <p:sldId id="278" r:id="rId27"/>
   </p:sldIdLst>
   <p:sldSz cx="12192000" cy="6858000"/>
   <p:notesSz cx="6858000" cy="9144000"/>
@@ -139,7 +143,7 @@
 <file path=ppt/revisionInfo.xml><?xml version="1.0" encoding="utf-8"?>
 <p1510:revInfo xmlns:a="http://schemas.openxmlformats.org/drawingml/2006/main" xmlns:r="http://schemas.openxmlformats.org/officeDocument/2006/relationships" xmlns:p1510="http://schemas.microsoft.com/office/powerpoint/2015/10/main">
   <p1510:revLst>
-    <p1510:client id="{81F27FC7-E717-4BD3-9569-E64168CBEEE0}" v="253" dt="2020-02-06T00:46:34.993"/>
+    <p1510:client id="{81F27FC7-E717-4BD3-9569-E64168CBEEE0}" v="252" dt="2020-02-05T23:29:44.939"/>
   </p1510:revLst>
 </p1510:revInfo>
 </file>
@@ -149,7 +153,7 @@
   <pc:docChgLst>
     <pc:chgData name="Jorgito Torres" userId="c49190f1d3a69060" providerId="LiveId" clId="{81F27FC7-E717-4BD3-9569-E64168CBEEE0}"/>
     <pc:docChg chg="undo redo custSel mod addSld delSld modSld sldOrd">
-      <pc:chgData name="Jorgito Torres" userId="c49190f1d3a69060" providerId="LiveId" clId="{81F27FC7-E717-4BD3-9569-E64168CBEEE0}" dt="2020-02-06T00:46:34.993" v="6708"/>
+      <pc:chgData name="Jorgito Torres" userId="c49190f1d3a69060" providerId="LiveId" clId="{81F27FC7-E717-4BD3-9569-E64168CBEEE0}" dt="2020-02-05T23:38:18.306" v="6706" actId="26606"/>
       <pc:docMkLst>
         <pc:docMk/>
       </pc:docMkLst>
@@ -780,8 +784,8 @@
           </ac:picMkLst>
         </pc:picChg>
       </pc:sldChg>
-      <pc:sldChg chg="addSp delSp modSp add">
-        <pc:chgData name="Jorgito Torres" userId="c49190f1d3a69060" providerId="LiveId" clId="{81F27FC7-E717-4BD3-9569-E64168CBEEE0}" dt="2020-02-06T00:46:34.993" v="6708"/>
+      <pc:sldChg chg="addSp modSp add">
+        <pc:chgData name="Jorgito Torres" userId="c49190f1d3a69060" providerId="LiveId" clId="{81F27FC7-E717-4BD3-9569-E64168CBEEE0}" dt="2020-02-05T23:29:40.480" v="6598"/>
         <pc:sldMkLst>
           <pc:docMk/>
           <pc:sldMk cId="3860324654" sldId="277"/>
@@ -794,20 +798,12 @@
             <ac:spMk id="2" creationId="{7C3B649B-F10A-4BDB-83B0-556277BB37C5}"/>
           </ac:spMkLst>
         </pc:spChg>
-        <pc:picChg chg="add del">
-          <ac:chgData name="Jorgito Torres" userId="c49190f1d3a69060" providerId="LiveId" clId="{81F27FC7-E717-4BD3-9569-E64168CBEEE0}" dt="2020-02-06T00:46:34.506" v="6707" actId="478"/>
+        <pc:picChg chg="add">
+          <ac:chgData name="Jorgito Torres" userId="c49190f1d3a69060" providerId="LiveId" clId="{81F27FC7-E717-4BD3-9569-E64168CBEEE0}" dt="2020-02-05T23:29:40.480" v="6598"/>
           <ac:picMkLst>
             <pc:docMk/>
             <pc:sldMk cId="3860324654" sldId="277"/>
             <ac:picMk id="4" creationId="{640AEF6E-8401-4B73-AEC3-DF0F45D81C39}"/>
-          </ac:picMkLst>
-        </pc:picChg>
-        <pc:picChg chg="add">
-          <ac:chgData name="Jorgito Torres" userId="c49190f1d3a69060" providerId="LiveId" clId="{81F27FC7-E717-4BD3-9569-E64168CBEEE0}" dt="2020-02-06T00:46:34.993" v="6708"/>
-          <ac:picMkLst>
-            <pc:docMk/>
-            <pc:sldMk cId="3860324654" sldId="277"/>
-            <ac:picMk id="5" creationId="{41FA0DA6-D4C4-4E27-BEB8-F3C2B9CE07F4}"/>
           </ac:picMkLst>
         </pc:picChg>
       </pc:sldChg>
@@ -1534,6 +1530,355 @@
 </pc:chgInfo>
 </file>
 
+<file path=ppt/notesMasters/notesMaster1.xml><?xml version="1.0" encoding="utf-8"?>
+<p:notesMaster xmlns:a="http://schemas.openxmlformats.org/drawingml/2006/main" xmlns:r="http://schemas.openxmlformats.org/officeDocument/2006/relationships" xmlns:p="http://schemas.openxmlformats.org/presentationml/2006/main">
+  <p:cSld>
+    <p:bg>
+      <p:bgRef idx="1001">
+        <a:schemeClr val="bg1"/>
+      </p:bgRef>
+    </p:bg>
+    <p:spTree>
+      <p:nvGrpSpPr>
+        <p:cNvPr id="1" name=""/>
+        <p:cNvGrpSpPr/>
+        <p:nvPr/>
+      </p:nvGrpSpPr>
+      <p:grpSpPr>
+        <a:xfrm>
+          <a:off x="0" y="0"/>
+          <a:ext cx="0" cy="0"/>
+          <a:chOff x="0" y="0"/>
+          <a:chExt cx="0" cy="0"/>
+        </a:xfrm>
+      </p:grpSpPr>
+      <p:sp>
+        <p:nvSpPr>
+          <p:cNvPr id="2" name="Header Placeholder 1"/>
+          <p:cNvSpPr>
+            <a:spLocks noGrp="1"/>
+          </p:cNvSpPr>
+          <p:nvPr>
+            <p:ph type="hdr" sz="quarter"/>
+          </p:nvPr>
+        </p:nvSpPr>
+        <p:spPr>
+          <a:xfrm>
+            <a:off x="0" y="0"/>
+            <a:ext cx="2971800" cy="458788"/>
+          </a:xfrm>
+          <a:prstGeom prst="rect">
+            <a:avLst/>
+          </a:prstGeom>
+        </p:spPr>
+        <p:txBody>
+          <a:bodyPr vert="horz" lIns="91440" tIns="45720" rIns="91440" bIns="45720" rtlCol="0"/>
+          <a:lstStyle>
+            <a:lvl1pPr algn="l">
+              <a:defRPr sz="1200"/>
+            </a:lvl1pPr>
+          </a:lstStyle>
+          <a:p>
+            <a:endParaRPr lang="en-US"/>
+          </a:p>
+        </p:txBody>
+      </p:sp>
+      <p:sp>
+        <p:nvSpPr>
+          <p:cNvPr id="3" name="Date Placeholder 2"/>
+          <p:cNvSpPr>
+            <a:spLocks noGrp="1"/>
+          </p:cNvSpPr>
+          <p:nvPr>
+            <p:ph type="dt" idx="1"/>
+          </p:nvPr>
+        </p:nvSpPr>
+        <p:spPr>
+          <a:xfrm>
+            <a:off x="3884613" y="0"/>
+            <a:ext cx="2971800" cy="458788"/>
+          </a:xfrm>
+          <a:prstGeom prst="rect">
+            <a:avLst/>
+          </a:prstGeom>
+        </p:spPr>
+        <p:txBody>
+          <a:bodyPr vert="horz" lIns="91440" tIns="45720" rIns="91440" bIns="45720" rtlCol="0"/>
+          <a:lstStyle>
+            <a:lvl1pPr algn="r">
+              <a:defRPr sz="1200"/>
+            </a:lvl1pPr>
+          </a:lstStyle>
+          <a:p>
+            <a:fld id="{E7936E7C-98F2-4E1F-8843-193398829EF7}" type="datetimeFigureOut">
+              <a:rPr lang="en-US" smtClean="0"/>
+              <a:t>2/5/2020</a:t>
+            </a:fld>
+            <a:endParaRPr lang="en-US"/>
+          </a:p>
+        </p:txBody>
+      </p:sp>
+      <p:sp>
+        <p:nvSpPr>
+          <p:cNvPr id="4" name="Slide Image Placeholder 3"/>
+          <p:cNvSpPr>
+            <a:spLocks noGrp="1" noRot="1" noChangeAspect="1"/>
+          </p:cNvSpPr>
+          <p:nvPr>
+            <p:ph type="sldImg" idx="2"/>
+          </p:nvPr>
+        </p:nvSpPr>
+        <p:spPr>
+          <a:xfrm>
+            <a:off x="685800" y="1143000"/>
+            <a:ext cx="5486400" cy="3086100"/>
+          </a:xfrm>
+          <a:prstGeom prst="rect">
+            <a:avLst/>
+          </a:prstGeom>
+          <a:noFill/>
+          <a:ln w="12700">
+            <a:solidFill>
+              <a:prstClr val="black"/>
+            </a:solidFill>
+          </a:ln>
+        </p:spPr>
+        <p:txBody>
+          <a:bodyPr vert="horz" lIns="91440" tIns="45720" rIns="91440" bIns="45720" rtlCol="0" anchor="ctr"/>
+          <a:lstStyle/>
+          <a:p>
+            <a:endParaRPr lang="en-US"/>
+          </a:p>
+        </p:txBody>
+      </p:sp>
+      <p:sp>
+        <p:nvSpPr>
+          <p:cNvPr id="5" name="Notes Placeholder 4"/>
+          <p:cNvSpPr>
+            <a:spLocks noGrp="1"/>
+          </p:cNvSpPr>
+          <p:nvPr>
+            <p:ph type="body" sz="quarter" idx="3"/>
+          </p:nvPr>
+        </p:nvSpPr>
+        <p:spPr>
+          <a:xfrm>
+            <a:off x="685800" y="4400550"/>
+            <a:ext cx="5486400" cy="3600450"/>
+          </a:xfrm>
+          <a:prstGeom prst="rect">
+            <a:avLst/>
+          </a:prstGeom>
+        </p:spPr>
+        <p:txBody>
+          <a:bodyPr vert="horz" lIns="91440" tIns="45720" rIns="91440" bIns="45720" rtlCol="0"/>
+          <a:lstStyle/>
+          <a:p>
+            <a:pPr lvl="0"/>
+            <a:r>
+              <a:rPr lang="en-US"/>
+              <a:t>Click to edit Master text styles</a:t>
+            </a:r>
+          </a:p>
+          <a:p>
+            <a:pPr lvl="1"/>
+            <a:r>
+              <a:rPr lang="en-US"/>
+              <a:t>Second level</a:t>
+            </a:r>
+          </a:p>
+          <a:p>
+            <a:pPr lvl="2"/>
+            <a:r>
+              <a:rPr lang="en-US"/>
+              <a:t>Third level</a:t>
+            </a:r>
+          </a:p>
+          <a:p>
+            <a:pPr lvl="3"/>
+            <a:r>
+              <a:rPr lang="en-US"/>
+              <a:t>Fourth level</a:t>
+            </a:r>
+          </a:p>
+          <a:p>
+            <a:pPr lvl="4"/>
+            <a:r>
+              <a:rPr lang="en-US"/>
+              <a:t>Fifth level</a:t>
+            </a:r>
+          </a:p>
+        </p:txBody>
+      </p:sp>
+      <p:sp>
+        <p:nvSpPr>
+          <p:cNvPr id="6" name="Footer Placeholder 5"/>
+          <p:cNvSpPr>
+            <a:spLocks noGrp="1"/>
+          </p:cNvSpPr>
+          <p:nvPr>
+            <p:ph type="ftr" sz="quarter" idx="4"/>
+          </p:nvPr>
+        </p:nvSpPr>
+        <p:spPr>
+          <a:xfrm>
+            <a:off x="0" y="8685213"/>
+            <a:ext cx="2971800" cy="458787"/>
+          </a:xfrm>
+          <a:prstGeom prst="rect">
+            <a:avLst/>
+          </a:prstGeom>
+        </p:spPr>
+        <p:txBody>
+          <a:bodyPr vert="horz" lIns="91440" tIns="45720" rIns="91440" bIns="45720" rtlCol="0" anchor="b"/>
+          <a:lstStyle>
+            <a:lvl1pPr algn="l">
+              <a:defRPr sz="1200"/>
+            </a:lvl1pPr>
+          </a:lstStyle>
+          <a:p>
+            <a:endParaRPr lang="en-US"/>
+          </a:p>
+        </p:txBody>
+      </p:sp>
+      <p:sp>
+        <p:nvSpPr>
+          <p:cNvPr id="7" name="Slide Number Placeholder 6"/>
+          <p:cNvSpPr>
+            <a:spLocks noGrp="1"/>
+          </p:cNvSpPr>
+          <p:nvPr>
+            <p:ph type="sldNum" sz="quarter" idx="5"/>
+          </p:nvPr>
+        </p:nvSpPr>
+        <p:spPr>
+          <a:xfrm>
+            <a:off x="3884613" y="8685213"/>
+            <a:ext cx="2971800" cy="458787"/>
+          </a:xfrm>
+          <a:prstGeom prst="rect">
+            <a:avLst/>
+          </a:prstGeom>
+        </p:spPr>
+        <p:txBody>
+          <a:bodyPr vert="horz" lIns="91440" tIns="45720" rIns="91440" bIns="45720" rtlCol="0" anchor="b"/>
+          <a:lstStyle>
+            <a:lvl1pPr algn="r">
+              <a:defRPr sz="1200"/>
+            </a:lvl1pPr>
+          </a:lstStyle>
+          <a:p>
+            <a:fld id="{20FC9A15-CFE2-4883-B26E-58401E63C298}" type="slidenum">
+              <a:rPr lang="en-US" smtClean="0"/>
+              <a:t>‹#›</a:t>
+            </a:fld>
+            <a:endParaRPr lang="en-US"/>
+          </a:p>
+        </p:txBody>
+      </p:sp>
+    </p:spTree>
+    <p:extLst>
+      <p:ext uri="{BB962C8B-B14F-4D97-AF65-F5344CB8AC3E}">
+        <p14:creationId xmlns:p14="http://schemas.microsoft.com/office/powerpoint/2010/main" val="3547835476"/>
+      </p:ext>
+    </p:extLst>
+  </p:cSld>
+  <p:clrMap bg1="lt1" tx1="dk1" bg2="lt2" tx2="dk2" accent1="accent1" accent2="accent2" accent3="accent3" accent4="accent4" accent5="accent5" accent6="accent6" hlink="hlink" folHlink="folHlink"/>
+  <p:notesStyle>
+    <a:lvl1pPr marL="0" algn="l" defTabSz="914400" rtl="0" eaLnBrk="1" latinLnBrk="0" hangingPunct="1">
+      <a:defRPr sz="1200" kern="1200">
+        <a:solidFill>
+          <a:schemeClr val="tx1"/>
+        </a:solidFill>
+        <a:latin typeface="+mn-lt"/>
+        <a:ea typeface="+mn-ea"/>
+        <a:cs typeface="+mn-cs"/>
+      </a:defRPr>
+    </a:lvl1pPr>
+    <a:lvl2pPr marL="457200" algn="l" defTabSz="914400" rtl="0" eaLnBrk="1" latinLnBrk="0" hangingPunct="1">
+      <a:defRPr sz="1200" kern="1200">
+        <a:solidFill>
+          <a:schemeClr val="tx1"/>
+        </a:solidFill>
+        <a:latin typeface="+mn-lt"/>
+        <a:ea typeface="+mn-ea"/>
+        <a:cs typeface="+mn-cs"/>
+      </a:defRPr>
+    </a:lvl2pPr>
+    <a:lvl3pPr marL="914400" algn="l" defTabSz="914400" rtl="0" eaLnBrk="1" latinLnBrk="0" hangingPunct="1">
+      <a:defRPr sz="1200" kern="1200">
+        <a:solidFill>
+          <a:schemeClr val="tx1"/>
+        </a:solidFill>
+        <a:latin typeface="+mn-lt"/>
+        <a:ea typeface="+mn-ea"/>
+        <a:cs typeface="+mn-cs"/>
+      </a:defRPr>
+    </a:lvl3pPr>
+    <a:lvl4pPr marL="1371600" algn="l" defTabSz="914400" rtl="0" eaLnBrk="1" latinLnBrk="0" hangingPunct="1">
+      <a:defRPr sz="1200" kern="1200">
+        <a:solidFill>
+          <a:schemeClr val="tx1"/>
+        </a:solidFill>
+        <a:latin typeface="+mn-lt"/>
+        <a:ea typeface="+mn-ea"/>
+        <a:cs typeface="+mn-cs"/>
+      </a:defRPr>
+    </a:lvl4pPr>
+    <a:lvl5pPr marL="1828800" algn="l" defTabSz="914400" rtl="0" eaLnBrk="1" latinLnBrk="0" hangingPunct="1">
+      <a:defRPr sz="1200" kern="1200">
+        <a:solidFill>
+          <a:schemeClr val="tx1"/>
+        </a:solidFill>
+        <a:latin typeface="+mn-lt"/>
+        <a:ea typeface="+mn-ea"/>
+        <a:cs typeface="+mn-cs"/>
+      </a:defRPr>
+    </a:lvl5pPr>
+    <a:lvl6pPr marL="2286000" algn="l" defTabSz="914400" rtl="0" eaLnBrk="1" latinLnBrk="0" hangingPunct="1">
+      <a:defRPr sz="1200" kern="1200">
+        <a:solidFill>
+          <a:schemeClr val="tx1"/>
+        </a:solidFill>
+        <a:latin typeface="+mn-lt"/>
+        <a:ea typeface="+mn-ea"/>
+        <a:cs typeface="+mn-cs"/>
+      </a:defRPr>
+    </a:lvl6pPr>
+    <a:lvl7pPr marL="2743200" algn="l" defTabSz="914400" rtl="0" eaLnBrk="1" latinLnBrk="0" hangingPunct="1">
+      <a:defRPr sz="1200" kern="1200">
+        <a:solidFill>
+          <a:schemeClr val="tx1"/>
+        </a:solidFill>
+        <a:latin typeface="+mn-lt"/>
+        <a:ea typeface="+mn-ea"/>
+        <a:cs typeface="+mn-cs"/>
+      </a:defRPr>
+    </a:lvl7pPr>
+    <a:lvl8pPr marL="3200400" algn="l" defTabSz="914400" rtl="0" eaLnBrk="1" latinLnBrk="0" hangingPunct="1">
+      <a:defRPr sz="1200" kern="1200">
+        <a:solidFill>
+          <a:schemeClr val="tx1"/>
+        </a:solidFill>
+        <a:latin typeface="+mn-lt"/>
+        <a:ea typeface="+mn-ea"/>
+        <a:cs typeface="+mn-cs"/>
+      </a:defRPr>
+    </a:lvl8pPr>
+    <a:lvl9pPr marL="3657600" algn="l" defTabSz="914400" rtl="0" eaLnBrk="1" latinLnBrk="0" hangingPunct="1">
+      <a:defRPr sz="1200" kern="1200">
+        <a:solidFill>
+          <a:schemeClr val="tx1"/>
+        </a:solidFill>
+        <a:latin typeface="+mn-lt"/>
+        <a:ea typeface="+mn-ea"/>
+        <a:cs typeface="+mn-cs"/>
+      </a:defRPr>
+    </a:lvl9pPr>
+  </p:notesStyle>
+</p:notesMaster>
+</file>
+
 <file path=ppt/slideLayouts/slideLayout1.xml><?xml version="1.0" encoding="utf-8"?>
 <p:sldLayout xmlns:a="http://schemas.openxmlformats.org/drawingml/2006/main" xmlns:r="http://schemas.openxmlformats.org/officeDocument/2006/relationships" xmlns:p="http://schemas.openxmlformats.org/presentationml/2006/main" showMasterSp="0" type="title" preserve="1">
   <p:cSld name="Title Slide">
@@ -2254,7 +2599,7 @@
           <a:bodyPr/>
           <a:lstStyle/>
           <a:p>
-            <a:fld id="{23261546-FE5A-41F9-A794-9902742CACA9}" type="datetimeFigureOut">
+            <a:fld id="{57178659-2B8D-437C-929D-A833B625D4D9}" type="datetime1">
               <a:rPr lang="en-US" smtClean="0"/>
               <a:t>2/5/2020</a:t>
             </a:fld>
@@ -2505,7 +2850,7 @@
           <a:bodyPr/>
           <a:lstStyle/>
           <a:p>
-            <a:fld id="{23261546-FE5A-41F9-A794-9902742CACA9}" type="datetimeFigureOut">
+            <a:fld id="{2E11D84F-AFFB-4A70-9434-A83887720C8D}" type="datetime1">
               <a:rPr lang="en-US" smtClean="0"/>
               <a:t>2/5/2020</a:t>
             </a:fld>
@@ -2819,7 +3164,7 @@
           <a:bodyPr/>
           <a:lstStyle/>
           <a:p>
-            <a:fld id="{23261546-FE5A-41F9-A794-9902742CACA9}" type="datetimeFigureOut">
+            <a:fld id="{B4DAE389-3128-4A79-A5C1-DB74A227D231}" type="datetime1">
               <a:rPr lang="en-US" smtClean="0"/>
               <a:t>2/5/2020</a:t>
             </a:fld>
@@ -3160,7 +3505,7 @@
           <a:bodyPr/>
           <a:lstStyle/>
           <a:p>
-            <a:fld id="{23261546-FE5A-41F9-A794-9902742CACA9}" type="datetimeFigureOut">
+            <a:fld id="{2EED7CBA-006B-4239-AFBC-2B99FE136E18}" type="datetime1">
               <a:rPr lang="en-US" smtClean="0"/>
               <a:t>2/5/2020</a:t>
             </a:fld>
@@ -3474,7 +3819,7 @@
           <a:bodyPr/>
           <a:lstStyle/>
           <a:p>
-            <a:fld id="{23261546-FE5A-41F9-A794-9902742CACA9}" type="datetimeFigureOut">
+            <a:fld id="{44F454E5-0A56-4194-8124-967DEFE50873}" type="datetime1">
               <a:rPr lang="en-US" smtClean="0"/>
               <a:t>2/5/2020</a:t>
             </a:fld>
@@ -3867,7 +4212,7 @@
           <a:bodyPr/>
           <a:lstStyle/>
           <a:p>
-            <a:fld id="{23261546-FE5A-41F9-A794-9902742CACA9}" type="datetimeFigureOut">
+            <a:fld id="{8CE07C3D-D6C7-45A9-BF82-A2446FE2876B}" type="datetime1">
               <a:rPr lang="en-US" smtClean="0"/>
               <a:t>2/5/2020</a:t>
             </a:fld>
@@ -4037,7 +4382,7 @@
           <a:bodyPr/>
           <a:lstStyle/>
           <a:p>
-            <a:fld id="{23261546-FE5A-41F9-A794-9902742CACA9}" type="datetimeFigureOut">
+            <a:fld id="{BDF46BF3-891E-448D-B906-B077BA616812}" type="datetime1">
               <a:rPr lang="en-US" smtClean="0"/>
               <a:t>2/5/2020</a:t>
             </a:fld>
@@ -4217,7 +4562,7 @@
           <a:bodyPr/>
           <a:lstStyle/>
           <a:p>
-            <a:fld id="{23261546-FE5A-41F9-A794-9902742CACA9}" type="datetimeFigureOut">
+            <a:fld id="{8DF67BA7-930F-4E98-8E85-A36375E6293E}" type="datetime1">
               <a:rPr lang="en-US" smtClean="0"/>
               <a:t>2/5/2020</a:t>
             </a:fld>
@@ -4393,7 +4738,7 @@
           <a:bodyPr/>
           <a:lstStyle/>
           <a:p>
-            <a:fld id="{23261546-FE5A-41F9-A794-9902742CACA9}" type="datetimeFigureOut">
+            <a:fld id="{8CC2CC1B-BCC8-402F-B6B4-1413FBC4FF8A}" type="datetime1">
               <a:rPr lang="en-US" smtClean="0"/>
               <a:t>2/5/2020</a:t>
             </a:fld>
@@ -4640,7 +4985,7 @@
           <a:bodyPr/>
           <a:lstStyle/>
           <a:p>
-            <a:fld id="{23261546-FE5A-41F9-A794-9902742CACA9}" type="datetimeFigureOut">
+            <a:fld id="{70EF3C15-3B07-47CC-8E0B-8283F3E6B31E}" type="datetime1">
               <a:rPr lang="en-US" smtClean="0"/>
               <a:t>2/5/2020</a:t>
             </a:fld>
@@ -4872,7 +5217,7 @@
           <a:bodyPr/>
           <a:lstStyle/>
           <a:p>
-            <a:fld id="{23261546-FE5A-41F9-A794-9902742CACA9}" type="datetimeFigureOut">
+            <a:fld id="{A6E28227-11E9-4ADF-AF71-66E0061D095B}" type="datetime1">
               <a:rPr lang="en-US" smtClean="0"/>
               <a:t>2/5/2020</a:t>
             </a:fld>
@@ -5246,7 +5591,7 @@
           <a:bodyPr/>
           <a:lstStyle/>
           <a:p>
-            <a:fld id="{23261546-FE5A-41F9-A794-9902742CACA9}" type="datetimeFigureOut">
+            <a:fld id="{B675B407-78D1-41AE-8D5C-5B1C770D27B3}" type="datetime1">
               <a:rPr lang="en-US" smtClean="0"/>
               <a:t>2/5/2020</a:t>
             </a:fld>
@@ -5369,7 +5714,7 @@
           <a:bodyPr/>
           <a:lstStyle/>
           <a:p>
-            <a:fld id="{23261546-FE5A-41F9-A794-9902742CACA9}" type="datetimeFigureOut">
+            <a:fld id="{02DBFDC6-9F73-4F1D-B1FF-2D832ADBC3B1}" type="datetime1">
               <a:rPr lang="en-US" smtClean="0"/>
               <a:t>2/5/2020</a:t>
             </a:fld>
@@ -5464,7 +5809,7 @@
           <a:bodyPr/>
           <a:lstStyle/>
           <a:p>
-            <a:fld id="{23261546-FE5A-41F9-A794-9902742CACA9}" type="datetimeFigureOut">
+            <a:fld id="{0561DBC7-43B9-4D22-ACC3-DCFE6A5E031E}" type="datetime1">
               <a:rPr lang="en-US" smtClean="0"/>
               <a:t>2/5/2020</a:t>
             </a:fld>
@@ -5719,7 +6064,7 @@
           <a:bodyPr/>
           <a:lstStyle/>
           <a:p>
-            <a:fld id="{23261546-FE5A-41F9-A794-9902742CACA9}" type="datetimeFigureOut">
+            <a:fld id="{EE05A149-15E4-4C77-90DB-595FD0D8C19B}" type="datetime1">
               <a:rPr lang="en-US" smtClean="0"/>
               <a:t>2/5/2020</a:t>
             </a:fld>
@@ -5982,7 +6327,7 @@
           <a:bodyPr/>
           <a:lstStyle/>
           <a:p>
-            <a:fld id="{23261546-FE5A-41F9-A794-9902742CACA9}" type="datetimeFigureOut">
+            <a:fld id="{F33E763C-A526-48D7-8320-D05FFD8008F5}" type="datetime1">
               <a:rPr lang="en-US" smtClean="0"/>
               <a:t>2/5/2020</a:t>
             </a:fld>
@@ -6725,7 +7070,7 @@
             </a:lvl1pPr>
           </a:lstStyle>
           <a:p>
-            <a:fld id="{23261546-FE5A-41F9-A794-9902742CACA9}" type="datetimeFigureOut">
+            <a:fld id="{B563F52D-F685-430C-A2ED-F73515DD3CD4}" type="datetime1">
               <a:rPr lang="en-US" smtClean="0"/>
               <a:t>2/5/2020</a:t>
             </a:fld>
@@ -6835,6 +7180,7 @@
     <p:sldLayoutId id="2147483675" r:id="rId15"/>
     <p:sldLayoutId id="2147483676" r:id="rId16"/>
   </p:sldLayoutIdLst>
+  <p:hf hdr="0" ftr="0" dt="0"/>
   <p:txStyles>
     <p:titleStyle>
       <a:lvl1pPr algn="l" defTabSz="457200" rtl="0" eaLnBrk="1" latinLnBrk="0" hangingPunct="1">
@@ -7963,12 +8309,60 @@
           <a:lstStyle/>
           <a:p>
             <a:r>
-              <a:rPr lang="en-US">
+              <a:rPr lang="en-US" dirty="0">
                 <a:solidFill>
                   <a:schemeClr val="tx1"/>
                 </a:solidFill>
               </a:rPr>
-              <a:t>Nicole Nanton, Clinton Waters, Kasa Ftwy, Jorge Torres, Nell Meier</a:t>
+              <a:t>Nicole </a:t>
+            </a:r>
+            <a:r>
+              <a:rPr lang="en-US" dirty="0" err="1">
+                <a:solidFill>
+                  <a:schemeClr val="tx1"/>
+                </a:solidFill>
+              </a:rPr>
+              <a:t>Nanton</a:t>
+            </a:r>
+            <a:r>
+              <a:rPr lang="en-US" dirty="0">
+                <a:solidFill>
+                  <a:schemeClr val="tx1"/>
+                </a:solidFill>
+              </a:rPr>
+              <a:t>, Clinton Waters, </a:t>
+            </a:r>
+            <a:r>
+              <a:rPr lang="en-US" dirty="0" err="1">
+                <a:solidFill>
+                  <a:schemeClr val="tx1"/>
+                </a:solidFill>
+              </a:rPr>
+              <a:t>Kasa</a:t>
+            </a:r>
+            <a:r>
+              <a:rPr lang="en-US" dirty="0">
+                <a:solidFill>
+                  <a:schemeClr val="tx1"/>
+                </a:solidFill>
+              </a:rPr>
+              <a:t> </a:t>
+            </a:r>
+            <a:r>
+              <a:rPr lang="en-US" dirty="0" err="1">
+                <a:solidFill>
+                  <a:schemeClr val="tx1"/>
+                </a:solidFill>
+              </a:rPr>
+              <a:t>Ftwi</a:t>
+            </a:r>
+            <a:r>
+              <a:rPr lang="en-US" dirty="0">
+                <a:solidFill>
+                  <a:schemeClr val="tx1"/>
+                </a:solidFill>
+              </a:rPr>
+              <a:t>, Jorge Torres, Nell Meier</a:t>
             </a:r>
           </a:p>
         </p:txBody>
@@ -8005,6 +8399,35 @@
               <a:rPr lang="en-US" dirty="0"/>
               <a:t>Project Uno</a:t>
             </a:r>
+          </a:p>
+        </p:txBody>
+      </p:sp>
+      <p:sp>
+        <p:nvSpPr>
+          <p:cNvPr id="4" name="Slide Number Placeholder 3">
+            <a:extLst>
+              <a:ext uri="{FF2B5EF4-FFF2-40B4-BE49-F238E27FC236}">
+                <a16:creationId xmlns:a16="http://schemas.microsoft.com/office/drawing/2014/main" id="{A485D8DE-B6C1-4A0C-BBEE-227436CAC311}"/>
+              </a:ext>
+            </a:extLst>
+          </p:cNvPr>
+          <p:cNvSpPr>
+            <a:spLocks noGrp="1"/>
+          </p:cNvSpPr>
+          <p:nvPr>
+            <p:ph type="sldNum" sz="quarter" idx="12"/>
+          </p:nvPr>
+        </p:nvSpPr>
+        <p:spPr/>
+        <p:txBody>
+          <a:bodyPr/>
+          <a:lstStyle/>
+          <a:p>
+            <a:fld id="{32B7E4A0-4EE4-406C-A5BD-11B20B5D31CC}" type="slidenum">
+              <a:rPr lang="en-US" smtClean="0"/>
+              <a:t>1</a:t>
+            </a:fld>
+            <a:endParaRPr lang="en-US"/>
           </a:p>
         </p:txBody>
       </p:sp>
@@ -8827,7 +9250,7 @@
               <a:buSzPct val="80000"/>
             </a:pPr>
             <a:r>
-              <a:rPr lang="en-US">
+              <a:rPr lang="en-US" dirty="0">
                 <a:solidFill>
                   <a:schemeClr val="tx1">
                     <a:lumMod val="50000"/>
@@ -8835,7 +9258,7 @@
                   </a:schemeClr>
                 </a:solidFill>
               </a:rPr>
-              <a:t>Gmap of over 27,000 locations using their rating count for the Heat</a:t>
+              <a:t>Heat map of over 27,000 locations using their rating count for the Heat</a:t>
             </a:r>
           </a:p>
         </p:txBody>
@@ -8870,6 +9293,35 @@
           </a:prstGeom>
         </p:spPr>
       </p:pic>
+      <p:sp>
+        <p:nvSpPr>
+          <p:cNvPr id="3" name="Slide Number Placeholder 2">
+            <a:extLst>
+              <a:ext uri="{FF2B5EF4-FFF2-40B4-BE49-F238E27FC236}">
+                <a16:creationId xmlns:a16="http://schemas.microsoft.com/office/drawing/2014/main" id="{F235AC50-5E6E-410A-A2E6-15EA59947685}"/>
+              </a:ext>
+            </a:extLst>
+          </p:cNvPr>
+          <p:cNvSpPr>
+            <a:spLocks noGrp="1"/>
+          </p:cNvSpPr>
+          <p:nvPr>
+            <p:ph type="sldNum" sz="quarter" idx="12"/>
+          </p:nvPr>
+        </p:nvSpPr>
+        <p:spPr/>
+        <p:txBody>
+          <a:bodyPr/>
+          <a:lstStyle/>
+          <a:p>
+            <a:fld id="{32B7E4A0-4EE4-406C-A5BD-11B20B5D31CC}" type="slidenum">
+              <a:rPr lang="en-US" smtClean="0"/>
+              <a:t>10</a:t>
+            </a:fld>
+            <a:endParaRPr lang="en-US"/>
+          </a:p>
+        </p:txBody>
+      </p:sp>
     </p:spTree>
     <p:extLst>
       <p:ext uri="{BB962C8B-B14F-4D97-AF65-F5344CB8AC3E}">
@@ -8930,7 +9382,7 @@
           <a:p>
             <a:r>
               <a:rPr lang="en-US" dirty="0"/>
-              <a:t>Number of Reviews for Each City - Count</a:t>
+              <a:t>Number of Reviews for Each Cuisine - Count</a:t>
             </a:r>
           </a:p>
         </p:txBody>
@@ -8965,6 +9417,35 @@
           </a:prstGeom>
         </p:spPr>
       </p:pic>
+      <p:sp>
+        <p:nvSpPr>
+          <p:cNvPr id="4" name="Slide Number Placeholder 3">
+            <a:extLst>
+              <a:ext uri="{FF2B5EF4-FFF2-40B4-BE49-F238E27FC236}">
+                <a16:creationId xmlns:a16="http://schemas.microsoft.com/office/drawing/2014/main" id="{DDBC46F8-2721-488D-B592-6926A6BC2412}"/>
+              </a:ext>
+            </a:extLst>
+          </p:cNvPr>
+          <p:cNvSpPr>
+            <a:spLocks noGrp="1"/>
+          </p:cNvSpPr>
+          <p:nvPr>
+            <p:ph type="sldNum" sz="quarter" idx="12"/>
+          </p:nvPr>
+        </p:nvSpPr>
+        <p:spPr/>
+        <p:txBody>
+          <a:bodyPr/>
+          <a:lstStyle/>
+          <a:p>
+            <a:fld id="{32B7E4A0-4EE4-406C-A5BD-11B20B5D31CC}" type="slidenum">
+              <a:rPr lang="en-US" smtClean="0"/>
+              <a:t>11</a:t>
+            </a:fld>
+            <a:endParaRPr lang="en-US"/>
+          </a:p>
+        </p:txBody>
+      </p:sp>
     </p:spTree>
     <p:extLst>
       <p:ext uri="{BB962C8B-B14F-4D97-AF65-F5344CB8AC3E}">
@@ -9016,32 +9497,10 @@
           <a:bodyPr/>
           <a:lstStyle/>
           <a:p>
-            <a:endParaRPr lang="en-US"/>
-          </a:p>
-        </p:txBody>
-      </p:sp>
-      <p:sp>
-        <p:nvSpPr>
-          <p:cNvPr id="3" name="Content Placeholder 2">
-            <a:extLst>
-              <a:ext uri="{FF2B5EF4-FFF2-40B4-BE49-F238E27FC236}">
-                <a16:creationId xmlns:a16="http://schemas.microsoft.com/office/drawing/2014/main" id="{9A5A0DD3-50A0-4CC7-BF99-2378397BD300}"/>
-              </a:ext>
-            </a:extLst>
-          </p:cNvPr>
-          <p:cNvSpPr>
-            <a:spLocks noGrp="1"/>
-          </p:cNvSpPr>
-          <p:nvPr>
-            <p:ph idx="1"/>
-          </p:nvPr>
-        </p:nvSpPr>
-        <p:spPr/>
-        <p:txBody>
-          <a:bodyPr/>
-          <a:lstStyle/>
-          <a:p>
-            <a:endParaRPr lang="en-US"/>
+            <a:r>
+              <a:rPr lang="en-US" dirty="0"/>
+              <a:t>Number of Reviews per City</a:t>
+            </a:r>
           </a:p>
         </p:txBody>
       </p:sp>
@@ -9075,6 +9534,35 @@
           </a:prstGeom>
         </p:spPr>
       </p:pic>
+      <p:sp>
+        <p:nvSpPr>
+          <p:cNvPr id="5" name="Slide Number Placeholder 4">
+            <a:extLst>
+              <a:ext uri="{FF2B5EF4-FFF2-40B4-BE49-F238E27FC236}">
+                <a16:creationId xmlns:a16="http://schemas.microsoft.com/office/drawing/2014/main" id="{DD19CEEE-45CE-4151-BDF6-61C03AA8F547}"/>
+              </a:ext>
+            </a:extLst>
+          </p:cNvPr>
+          <p:cNvSpPr>
+            <a:spLocks noGrp="1"/>
+          </p:cNvSpPr>
+          <p:nvPr>
+            <p:ph type="sldNum" sz="quarter" idx="12"/>
+          </p:nvPr>
+        </p:nvSpPr>
+        <p:spPr/>
+        <p:txBody>
+          <a:bodyPr/>
+          <a:lstStyle/>
+          <a:p>
+            <a:fld id="{32B7E4A0-4EE4-406C-A5BD-11B20B5D31CC}" type="slidenum">
+              <a:rPr lang="en-US" smtClean="0"/>
+              <a:t>12</a:t>
+            </a:fld>
+            <a:endParaRPr lang="en-US"/>
+          </a:p>
+        </p:txBody>
+      </p:sp>
     </p:spTree>
     <p:extLst>
       <p:ext uri="{BB962C8B-B14F-4D97-AF65-F5344CB8AC3E}">
@@ -9126,32 +9614,10 @@
           <a:bodyPr/>
           <a:lstStyle/>
           <a:p>
-            <a:endParaRPr lang="en-US"/>
-          </a:p>
-        </p:txBody>
-      </p:sp>
-      <p:sp>
-        <p:nvSpPr>
-          <p:cNvPr id="3" name="Content Placeholder 2">
-            <a:extLst>
-              <a:ext uri="{FF2B5EF4-FFF2-40B4-BE49-F238E27FC236}">
-                <a16:creationId xmlns:a16="http://schemas.microsoft.com/office/drawing/2014/main" id="{9A5A0DD3-50A0-4CC7-BF99-2378397BD300}"/>
-              </a:ext>
-            </a:extLst>
-          </p:cNvPr>
-          <p:cNvSpPr>
-            <a:spLocks noGrp="1"/>
-          </p:cNvSpPr>
-          <p:nvPr>
-            <p:ph idx="1"/>
-          </p:nvPr>
-        </p:nvSpPr>
-        <p:spPr/>
-        <p:txBody>
-          <a:bodyPr/>
-          <a:lstStyle/>
-          <a:p>
-            <a:endParaRPr lang="en-US"/>
+            <a:r>
+              <a:rPr lang="en-US" dirty="0"/>
+              <a:t>Top 5 Cuisines Across Capitals</a:t>
+            </a:r>
           </a:p>
         </p:txBody>
       </p:sp>
@@ -9185,6 +9651,101 @@
           </a:prstGeom>
         </p:spPr>
       </p:pic>
+      <p:sp>
+        <p:nvSpPr>
+          <p:cNvPr id="5" name="TextBox 4">
+            <a:extLst>
+              <a:ext uri="{FF2B5EF4-FFF2-40B4-BE49-F238E27FC236}">
+                <a16:creationId xmlns:a16="http://schemas.microsoft.com/office/drawing/2014/main" id="{869892E1-5CCC-4198-A741-25039A29A569}"/>
+              </a:ext>
+            </a:extLst>
+          </p:cNvPr>
+          <p:cNvSpPr txBox="1"/>
+          <p:nvPr/>
+        </p:nvSpPr>
+        <p:spPr>
+          <a:xfrm>
+            <a:off x="7093258" y="2379216"/>
+            <a:ext cx="2627791" cy="3416320"/>
+          </a:xfrm>
+          <a:prstGeom prst="rect">
+            <a:avLst/>
+          </a:prstGeom>
+          <a:noFill/>
+        </p:spPr>
+        <p:txBody>
+          <a:bodyPr wrap="square" rtlCol="0">
+            <a:spAutoFit/>
+          </a:bodyPr>
+          <a:lstStyle/>
+          <a:p>
+            <a:pPr marL="285750" indent="-285750">
+              <a:buFont typeface="Arial" panose="020B0604020202020204" pitchFamily="34" charset="0"/>
+              <a:buChar char="•"/>
+            </a:pPr>
+            <a:r>
+              <a:rPr lang="en-US" dirty="0"/>
+              <a:t>We wanted to know which types of cuisines had the highest count of reviews</a:t>
+            </a:r>
+          </a:p>
+          <a:p>
+            <a:pPr marL="285750" indent="-285750">
+              <a:buFont typeface="Arial" panose="020B0604020202020204" pitchFamily="34" charset="0"/>
+              <a:buChar char="•"/>
+            </a:pPr>
+            <a:r>
+              <a:rPr lang="en-US" dirty="0"/>
+              <a:t>In the capitals, American cuisine led at 31.6%.  </a:t>
+            </a:r>
+          </a:p>
+          <a:p>
+            <a:pPr marL="285750" indent="-285750">
+              <a:buFont typeface="Arial" panose="020B0604020202020204" pitchFamily="34" charset="0"/>
+              <a:buChar char="•"/>
+            </a:pPr>
+            <a:r>
+              <a:rPr lang="en-US" dirty="0"/>
+              <a:t>The next highest percentages were all in the teens</a:t>
+            </a:r>
+          </a:p>
+          <a:p>
+            <a:pPr marL="285750" indent="-285750">
+              <a:buFont typeface="Arial" panose="020B0604020202020204" pitchFamily="34" charset="0"/>
+              <a:buChar char="•"/>
+            </a:pPr>
+            <a:endParaRPr lang="en-US" dirty="0"/>
+          </a:p>
+        </p:txBody>
+      </p:sp>
+      <p:sp>
+        <p:nvSpPr>
+          <p:cNvPr id="6" name="Slide Number Placeholder 5">
+            <a:extLst>
+              <a:ext uri="{FF2B5EF4-FFF2-40B4-BE49-F238E27FC236}">
+                <a16:creationId xmlns:a16="http://schemas.microsoft.com/office/drawing/2014/main" id="{20057849-5DA0-45EB-92B8-78D7FED510EC}"/>
+              </a:ext>
+            </a:extLst>
+          </p:cNvPr>
+          <p:cNvSpPr>
+            <a:spLocks noGrp="1"/>
+          </p:cNvSpPr>
+          <p:nvPr>
+            <p:ph type="sldNum" sz="quarter" idx="12"/>
+          </p:nvPr>
+        </p:nvSpPr>
+        <p:spPr/>
+        <p:txBody>
+          <a:bodyPr/>
+          <a:lstStyle/>
+          <a:p>
+            <a:fld id="{32B7E4A0-4EE4-406C-A5BD-11B20B5D31CC}" type="slidenum">
+              <a:rPr lang="en-US" smtClean="0"/>
+              <a:t>13</a:t>
+            </a:fld>
+            <a:endParaRPr lang="en-US"/>
+          </a:p>
+        </p:txBody>
+      </p:sp>
     </p:spTree>
     <p:extLst>
       <p:ext uri="{BB962C8B-B14F-4D97-AF65-F5344CB8AC3E}">
@@ -9231,37 +9792,20 @@
             <p:ph type="title"/>
           </p:nvPr>
         </p:nvSpPr>
-        <p:spPr/>
+        <p:spPr>
+          <a:xfrm>
+            <a:off x="482025" y="298881"/>
+            <a:ext cx="8596668" cy="1320800"/>
+          </a:xfrm>
+        </p:spPr>
         <p:txBody>
           <a:bodyPr/>
           <a:lstStyle/>
           <a:p>
-            <a:endParaRPr lang="en-US"/>
-          </a:p>
-        </p:txBody>
-      </p:sp>
-      <p:sp>
-        <p:nvSpPr>
-          <p:cNvPr id="3" name="Content Placeholder 2">
-            <a:extLst>
-              <a:ext uri="{FF2B5EF4-FFF2-40B4-BE49-F238E27FC236}">
-                <a16:creationId xmlns:a16="http://schemas.microsoft.com/office/drawing/2014/main" id="{9A5A0DD3-50A0-4CC7-BF99-2378397BD300}"/>
-              </a:ext>
-            </a:extLst>
-          </p:cNvPr>
-          <p:cNvSpPr>
-            <a:spLocks noGrp="1"/>
-          </p:cNvSpPr>
-          <p:nvPr>
-            <p:ph idx="1"/>
-          </p:nvPr>
-        </p:nvSpPr>
-        <p:spPr/>
-        <p:txBody>
-          <a:bodyPr/>
-          <a:lstStyle/>
-          <a:p>
-            <a:endParaRPr lang="en-US"/>
+            <a:r>
+              <a:rPr lang="en-US" dirty="0"/>
+              <a:t>Top 7 Cities with the most Reviews</a:t>
+            </a:r>
           </a:p>
         </p:txBody>
       </p:sp>
@@ -9287,14 +9831,99 @@
         </p:blipFill>
         <p:spPr>
           <a:xfrm>
-            <a:off x="860293" y="1992672"/>
-            <a:ext cx="8230749" cy="4048690"/>
+            <a:off x="860293" y="1930400"/>
+            <a:ext cx="8035132" cy="4048690"/>
           </a:xfrm>
           <a:prstGeom prst="rect">
             <a:avLst/>
           </a:prstGeom>
         </p:spPr>
       </p:pic>
+      <p:sp>
+        <p:nvSpPr>
+          <p:cNvPr id="6" name="TextBox 5">
+            <a:extLst>
+              <a:ext uri="{FF2B5EF4-FFF2-40B4-BE49-F238E27FC236}">
+                <a16:creationId xmlns:a16="http://schemas.microsoft.com/office/drawing/2014/main" id="{C78384EC-F054-4831-8AC9-FB13306FB7A8}"/>
+              </a:ext>
+            </a:extLst>
+          </p:cNvPr>
+          <p:cNvSpPr txBox="1"/>
+          <p:nvPr/>
+        </p:nvSpPr>
+        <p:spPr>
+          <a:xfrm>
+            <a:off x="7279689" y="2121763"/>
+            <a:ext cx="2530136" cy="2862322"/>
+          </a:xfrm>
+          <a:prstGeom prst="rect">
+            <a:avLst/>
+          </a:prstGeom>
+          <a:noFill/>
+        </p:spPr>
+        <p:txBody>
+          <a:bodyPr wrap="square" rtlCol="0">
+            <a:spAutoFit/>
+          </a:bodyPr>
+          <a:lstStyle/>
+          <a:p>
+            <a:pPr marL="285750" indent="-285750">
+              <a:buFont typeface="Arial" panose="020B0604020202020204" pitchFamily="34" charset="0"/>
+              <a:buChar char="•"/>
+            </a:pPr>
+            <a:r>
+              <a:rPr lang="en-US" dirty="0"/>
+              <a:t>We wanted to know which cities had the highest count of reviews</a:t>
+            </a:r>
+          </a:p>
+          <a:p>
+            <a:pPr marL="285750" indent="-285750">
+              <a:buFont typeface="Arial" panose="020B0604020202020204" pitchFamily="34" charset="0"/>
+              <a:buChar char="•"/>
+            </a:pPr>
+            <a:r>
+              <a:rPr lang="en-US" dirty="0"/>
+              <a:t>We narrowed it down to the top 7- after the top 7, the review count dipped sharply</a:t>
+            </a:r>
+          </a:p>
+          <a:p>
+            <a:pPr marL="285750" indent="-285750">
+              <a:buFont typeface="Arial" panose="020B0604020202020204" pitchFamily="34" charset="0"/>
+              <a:buChar char="•"/>
+            </a:pPr>
+            <a:endParaRPr lang="en-US" dirty="0"/>
+          </a:p>
+        </p:txBody>
+      </p:sp>
+      <p:sp>
+        <p:nvSpPr>
+          <p:cNvPr id="7" name="Slide Number Placeholder 6">
+            <a:extLst>
+              <a:ext uri="{FF2B5EF4-FFF2-40B4-BE49-F238E27FC236}">
+                <a16:creationId xmlns:a16="http://schemas.microsoft.com/office/drawing/2014/main" id="{963D0632-1D7A-47CB-B427-9C133B7D8482}"/>
+              </a:ext>
+            </a:extLst>
+          </p:cNvPr>
+          <p:cNvSpPr>
+            <a:spLocks noGrp="1"/>
+          </p:cNvSpPr>
+          <p:nvPr>
+            <p:ph type="sldNum" sz="quarter" idx="12"/>
+          </p:nvPr>
+        </p:nvSpPr>
+        <p:spPr/>
+        <p:txBody>
+          <a:bodyPr/>
+          <a:lstStyle/>
+          <a:p>
+            <a:fld id="{32B7E4A0-4EE4-406C-A5BD-11B20B5D31CC}" type="slidenum">
+              <a:rPr lang="en-US" smtClean="0"/>
+              <a:t>14</a:t>
+            </a:fld>
+            <a:endParaRPr lang="en-US"/>
+          </a:p>
+        </p:txBody>
+      </p:sp>
     </p:spTree>
     <p:extLst>
       <p:ext uri="{BB962C8B-B14F-4D97-AF65-F5344CB8AC3E}">
@@ -9330,7 +9959,7 @@
           <p:cNvPr id="2" name="Title 1">
             <a:extLst>
               <a:ext uri="{FF2B5EF4-FFF2-40B4-BE49-F238E27FC236}">
-                <a16:creationId xmlns:a16="http://schemas.microsoft.com/office/drawing/2014/main" id="{7C3B649B-F10A-4BDB-83B0-556277BB37C5}"/>
+                <a16:creationId xmlns:a16="http://schemas.microsoft.com/office/drawing/2014/main" id="{A31DC809-BB0F-4A4E-AA0F-52367EF38829}"/>
               </a:ext>
             </a:extLst>
           </p:cNvPr>
@@ -9348,7 +9977,7 @@
           <a:p>
             <a:r>
               <a:rPr lang="en-US" dirty="0"/>
-              <a:t>Scatter plot</a:t>
+              <a:t>Least 5 Popular Cuisines</a:t>
             </a:r>
           </a:p>
         </p:txBody>
@@ -9358,7 +9987,7 @@
           <p:cNvPr id="3" name="Content Placeholder 2">
             <a:extLst>
               <a:ext uri="{FF2B5EF4-FFF2-40B4-BE49-F238E27FC236}">
-                <a16:creationId xmlns:a16="http://schemas.microsoft.com/office/drawing/2014/main" id="{89A176FB-0B83-409D-BF55-E4692D234619}"/>
+                <a16:creationId xmlns:a16="http://schemas.microsoft.com/office/drawing/2014/main" id="{49FBBC9C-88E4-4043-85B9-F8357FF7D500}"/>
               </a:ext>
             </a:extLst>
           </p:cNvPr>
@@ -9369,12 +9998,20 @@
             <p:ph idx="1"/>
           </p:nvPr>
         </p:nvSpPr>
-        <p:spPr/>
+        <p:spPr>
+          <a:xfrm>
+            <a:off x="6848523" y="1930400"/>
+            <a:ext cx="2225406" cy="3880773"/>
+          </a:xfrm>
+        </p:spPr>
         <p:txBody>
           <a:bodyPr/>
           <a:lstStyle/>
           <a:p>
-            <a:endParaRPr lang="en-US"/>
+            <a:r>
+              <a:rPr lang="en-US" dirty="0"/>
+              <a:t>Based on the data, these were the five cuisines with the lowest number of reviews </a:t>
+            </a:r>
           </a:p>
         </p:txBody>
       </p:sp>
@@ -9383,7 +10020,7 @@
           <p:cNvPr id="4" name="Picture 3">
             <a:extLst>
               <a:ext uri="{FF2B5EF4-FFF2-40B4-BE49-F238E27FC236}">
-                <a16:creationId xmlns:a16="http://schemas.microsoft.com/office/drawing/2014/main" id="{E5D0D630-7B3C-404B-B942-2D9229D9A781}"/>
+                <a16:creationId xmlns:a16="http://schemas.microsoft.com/office/drawing/2014/main" id="{235D1A9D-92E4-4CD3-9A1E-5D40C4CC5AFF}"/>
               </a:ext>
             </a:extLst>
           </p:cNvPr>
@@ -9400,18 +10037,47 @@
         </p:blipFill>
         <p:spPr>
           <a:xfrm>
-            <a:off x="1623388" y="975970"/>
-            <a:ext cx="8945223" cy="4906060"/>
+            <a:off x="1077480" y="1930400"/>
+            <a:ext cx="5570970" cy="3888393"/>
           </a:xfrm>
           <a:prstGeom prst="rect">
             <a:avLst/>
           </a:prstGeom>
         </p:spPr>
       </p:pic>
+      <p:sp>
+        <p:nvSpPr>
+          <p:cNvPr id="5" name="Slide Number Placeholder 4">
+            <a:extLst>
+              <a:ext uri="{FF2B5EF4-FFF2-40B4-BE49-F238E27FC236}">
+                <a16:creationId xmlns:a16="http://schemas.microsoft.com/office/drawing/2014/main" id="{B4FBCF9A-05DA-4892-B53E-51CA46E83E5B}"/>
+              </a:ext>
+            </a:extLst>
+          </p:cNvPr>
+          <p:cNvSpPr>
+            <a:spLocks noGrp="1"/>
+          </p:cNvSpPr>
+          <p:nvPr>
+            <p:ph type="sldNum" sz="quarter" idx="12"/>
+          </p:nvPr>
+        </p:nvSpPr>
+        <p:spPr/>
+        <p:txBody>
+          <a:bodyPr/>
+          <a:lstStyle/>
+          <a:p>
+            <a:fld id="{32B7E4A0-4EE4-406C-A5BD-11B20B5D31CC}" type="slidenum">
+              <a:rPr lang="en-US" smtClean="0"/>
+              <a:t>15</a:t>
+            </a:fld>
+            <a:endParaRPr lang="en-US"/>
+          </a:p>
+        </p:txBody>
+      </p:sp>
     </p:spTree>
     <p:extLst>
       <p:ext uri="{BB962C8B-B14F-4D97-AF65-F5344CB8AC3E}">
-        <p14:creationId xmlns:p14="http://schemas.microsoft.com/office/powerpoint/2010/main" val="1798880392"/>
+        <p14:creationId xmlns:p14="http://schemas.microsoft.com/office/powerpoint/2010/main" val="1664050661"/>
       </p:ext>
     </p:extLst>
   </p:cSld>
@@ -9461,7 +10127,7 @@
           <a:p>
             <a:r>
               <a:rPr lang="en-US" dirty="0"/>
-              <a:t>Scatter plot</a:t>
+              <a:t>Heat Map Based on Price (Level 1)</a:t>
             </a:r>
           </a:p>
         </p:txBody>
@@ -9496,7 +10162,7 @@
           <p:cNvPr id="4" name="Picture 3">
             <a:extLst>
               <a:ext uri="{FF2B5EF4-FFF2-40B4-BE49-F238E27FC236}">
-                <a16:creationId xmlns:a16="http://schemas.microsoft.com/office/drawing/2014/main" id="{9D1A97F0-CCE6-42BF-A11E-869F262C7A66}"/>
+                <a16:creationId xmlns:a16="http://schemas.microsoft.com/office/drawing/2014/main" id="{E5D0D630-7B3C-404B-B942-2D9229D9A781}"/>
               </a:ext>
             </a:extLst>
           </p:cNvPr>
@@ -9513,18 +10179,47 @@
         </p:blipFill>
         <p:spPr>
           <a:xfrm>
-            <a:off x="1387349" y="1739607"/>
-            <a:ext cx="5944430" cy="4191585"/>
+            <a:off x="503057" y="1270000"/>
+            <a:ext cx="8820832" cy="4837837"/>
           </a:xfrm>
           <a:prstGeom prst="rect">
             <a:avLst/>
           </a:prstGeom>
         </p:spPr>
       </p:pic>
+      <p:sp>
+        <p:nvSpPr>
+          <p:cNvPr id="5" name="Slide Number Placeholder 4">
+            <a:extLst>
+              <a:ext uri="{FF2B5EF4-FFF2-40B4-BE49-F238E27FC236}">
+                <a16:creationId xmlns:a16="http://schemas.microsoft.com/office/drawing/2014/main" id="{B35E5B09-0090-4D66-B1DC-6E6E88C9F125}"/>
+              </a:ext>
+            </a:extLst>
+          </p:cNvPr>
+          <p:cNvSpPr>
+            <a:spLocks noGrp="1"/>
+          </p:cNvSpPr>
+          <p:nvPr>
+            <p:ph type="sldNum" sz="quarter" idx="12"/>
+          </p:nvPr>
+        </p:nvSpPr>
+        <p:spPr/>
+        <p:txBody>
+          <a:bodyPr/>
+          <a:lstStyle/>
+          <a:p>
+            <a:fld id="{32B7E4A0-4EE4-406C-A5BD-11B20B5D31CC}" type="slidenum">
+              <a:rPr lang="en-US" smtClean="0"/>
+              <a:t>16</a:t>
+            </a:fld>
+            <a:endParaRPr lang="en-US"/>
+          </a:p>
+        </p:txBody>
+      </p:sp>
     </p:spTree>
     <p:extLst>
       <p:ext uri="{BB962C8B-B14F-4D97-AF65-F5344CB8AC3E}">
-        <p14:creationId xmlns:p14="http://schemas.microsoft.com/office/powerpoint/2010/main" val="899033561"/>
+        <p14:creationId xmlns:p14="http://schemas.microsoft.com/office/powerpoint/2010/main" val="1798880392"/>
       </p:ext>
     </p:extLst>
   </p:cSld>
@@ -9574,17 +10269,47 @@
           <a:p>
             <a:r>
               <a:rPr lang="en-US" dirty="0"/>
-              <a:t>Scatter plot</a:t>
-            </a:r>
-          </a:p>
-        </p:txBody>
-      </p:sp>
-      <p:sp>
-        <p:nvSpPr>
-          <p:cNvPr id="3" name="Content Placeholder 2">
+              <a:t>Heat Map of Alaska (Level 1)</a:t>
+            </a:r>
+          </a:p>
+        </p:txBody>
+      </p:sp>
+      <p:pic>
+        <p:nvPicPr>
+          <p:cNvPr id="4" name="Picture 3">
             <a:extLst>
               <a:ext uri="{FF2B5EF4-FFF2-40B4-BE49-F238E27FC236}">
-                <a16:creationId xmlns:a16="http://schemas.microsoft.com/office/drawing/2014/main" id="{89A176FB-0B83-409D-BF55-E4692D234619}"/>
+                <a16:creationId xmlns:a16="http://schemas.microsoft.com/office/drawing/2014/main" id="{9D1A97F0-CCE6-42BF-A11E-869F262C7A66}"/>
+              </a:ext>
+            </a:extLst>
+          </p:cNvPr>
+          <p:cNvPicPr>
+            <a:picLocks noChangeAspect="1"/>
+          </p:cNvPicPr>
+          <p:nvPr/>
+        </p:nvPicPr>
+        <p:blipFill>
+          <a:blip r:embed="rId2"/>
+          <a:stretch>
+            <a:fillRect/>
+          </a:stretch>
+        </p:blipFill>
+        <p:spPr>
+          <a:xfrm>
+            <a:off x="647742" y="1420427"/>
+            <a:ext cx="6547580" cy="4616882"/>
+          </a:xfrm>
+          <a:prstGeom prst="rect">
+            <a:avLst/>
+          </a:prstGeom>
+        </p:spPr>
+      </p:pic>
+      <p:sp>
+        <p:nvSpPr>
+          <p:cNvPr id="6" name="Slide Number Placeholder 5">
+            <a:extLst>
+              <a:ext uri="{FF2B5EF4-FFF2-40B4-BE49-F238E27FC236}">
+                <a16:creationId xmlns:a16="http://schemas.microsoft.com/office/drawing/2014/main" id="{7C4631E3-5B56-4B4F-9924-3EFA71C2635B}"/>
               </a:ext>
             </a:extLst>
           </p:cNvPr>
@@ -9592,7 +10317,7 @@
             <a:spLocks noGrp="1"/>
           </p:cNvSpPr>
           <p:nvPr>
-            <p:ph idx="1"/>
+            <p:ph type="sldNum" sz="quarter" idx="12"/>
           </p:nvPr>
         </p:nvSpPr>
         <p:spPr/>
@@ -9600,7 +10325,69 @@
           <a:bodyPr/>
           <a:lstStyle/>
           <a:p>
+            <a:fld id="{32B7E4A0-4EE4-406C-A5BD-11B20B5D31CC}" type="slidenum">
+              <a:rPr lang="en-US" smtClean="0"/>
+              <a:t>17</a:t>
+            </a:fld>
             <a:endParaRPr lang="en-US"/>
+          </a:p>
+        </p:txBody>
+      </p:sp>
+    </p:spTree>
+    <p:extLst>
+      <p:ext uri="{BB962C8B-B14F-4D97-AF65-F5344CB8AC3E}">
+        <p14:creationId xmlns:p14="http://schemas.microsoft.com/office/powerpoint/2010/main" val="899033561"/>
+      </p:ext>
+    </p:extLst>
+  </p:cSld>
+  <p:clrMapOvr>
+    <a:masterClrMapping/>
+  </p:clrMapOvr>
+</p:sld>
+</file>
+
+<file path=ppt/slides/slide18.xml><?xml version="1.0" encoding="utf-8"?>
+<p:sld xmlns:a="http://schemas.openxmlformats.org/drawingml/2006/main" xmlns:r="http://schemas.openxmlformats.org/officeDocument/2006/relationships" xmlns:p="http://schemas.openxmlformats.org/presentationml/2006/main">
+  <p:cSld>
+    <p:spTree>
+      <p:nvGrpSpPr>
+        <p:cNvPr id="1" name=""/>
+        <p:cNvGrpSpPr/>
+        <p:nvPr/>
+      </p:nvGrpSpPr>
+      <p:grpSpPr>
+        <a:xfrm>
+          <a:off x="0" y="0"/>
+          <a:ext cx="0" cy="0"/>
+          <a:chOff x="0" y="0"/>
+          <a:chExt cx="0" cy="0"/>
+        </a:xfrm>
+      </p:grpSpPr>
+      <p:sp>
+        <p:nvSpPr>
+          <p:cNvPr id="2" name="Title 1">
+            <a:extLst>
+              <a:ext uri="{FF2B5EF4-FFF2-40B4-BE49-F238E27FC236}">
+                <a16:creationId xmlns:a16="http://schemas.microsoft.com/office/drawing/2014/main" id="{7C3B649B-F10A-4BDB-83B0-556277BB37C5}"/>
+              </a:ext>
+            </a:extLst>
+          </p:cNvPr>
+          <p:cNvSpPr>
+            <a:spLocks noGrp="1"/>
+          </p:cNvSpPr>
+          <p:nvPr>
+            <p:ph type="title"/>
+          </p:nvPr>
+        </p:nvSpPr>
+        <p:spPr/>
+        <p:txBody>
+          <a:bodyPr/>
+          <a:lstStyle/>
+          <a:p>
+            <a:r>
+              <a:rPr lang="en-US" dirty="0"/>
+              <a:t>Heat Map Based on Price (Level 3)</a:t>
+            </a:r>
           </a:p>
         </p:txBody>
       </p:sp>
@@ -9634,42 +10421,12 @@
           </a:prstGeom>
         </p:spPr>
       </p:pic>
-    </p:spTree>
-    <p:extLst>
-      <p:ext uri="{BB962C8B-B14F-4D97-AF65-F5344CB8AC3E}">
-        <p14:creationId xmlns:p14="http://schemas.microsoft.com/office/powerpoint/2010/main" val="3179188163"/>
-      </p:ext>
-    </p:extLst>
-  </p:cSld>
-  <p:clrMapOvr>
-    <a:masterClrMapping/>
-  </p:clrMapOvr>
-</p:sld>
-</file>
-
-<file path=ppt/slides/slide18.xml><?xml version="1.0" encoding="utf-8"?>
-<p:sld xmlns:a="http://schemas.openxmlformats.org/drawingml/2006/main" xmlns:r="http://schemas.openxmlformats.org/officeDocument/2006/relationships" xmlns:p="http://schemas.openxmlformats.org/presentationml/2006/main">
-  <p:cSld>
-    <p:spTree>
-      <p:nvGrpSpPr>
-        <p:cNvPr id="1" name=""/>
-        <p:cNvGrpSpPr/>
-        <p:nvPr/>
-      </p:nvGrpSpPr>
-      <p:grpSpPr>
-        <a:xfrm>
-          <a:off x="0" y="0"/>
-          <a:ext cx="0" cy="0"/>
-          <a:chOff x="0" y="0"/>
-          <a:chExt cx="0" cy="0"/>
-        </a:xfrm>
-      </p:grpSpPr>
-      <p:sp>
-        <p:nvSpPr>
-          <p:cNvPr id="2" name="Title 1">
+      <p:sp>
+        <p:nvSpPr>
+          <p:cNvPr id="5" name="Slide Number Placeholder 4">
             <a:extLst>
               <a:ext uri="{FF2B5EF4-FFF2-40B4-BE49-F238E27FC236}">
-                <a16:creationId xmlns:a16="http://schemas.microsoft.com/office/drawing/2014/main" id="{7C3B649B-F10A-4BDB-83B0-556277BB37C5}"/>
+                <a16:creationId xmlns:a16="http://schemas.microsoft.com/office/drawing/2014/main" id="{AE8DEC73-79D6-4275-A7C8-B0247E91162B}"/>
               </a:ext>
             </a:extLst>
           </p:cNvPr>
@@ -9677,7 +10434,7 @@
             <a:spLocks noGrp="1"/>
           </p:cNvSpPr>
           <p:nvPr>
-            <p:ph type="title"/>
+            <p:ph type="sldNum" sz="quarter" idx="12"/>
           </p:nvPr>
         </p:nvSpPr>
         <p:spPr/>
@@ -9685,72 +10442,18 @@
           <a:bodyPr/>
           <a:lstStyle/>
           <a:p>
-            <a:r>
-              <a:rPr lang="en-US" dirty="0"/>
-              <a:t>Scatter plot</a:t>
-            </a:r>
-          </a:p>
-        </p:txBody>
-      </p:sp>
-      <p:sp>
-        <p:nvSpPr>
-          <p:cNvPr id="3" name="Content Placeholder 2">
-            <a:extLst>
-              <a:ext uri="{FF2B5EF4-FFF2-40B4-BE49-F238E27FC236}">
-                <a16:creationId xmlns:a16="http://schemas.microsoft.com/office/drawing/2014/main" id="{89A176FB-0B83-409D-BF55-E4692D234619}"/>
-              </a:ext>
-            </a:extLst>
-          </p:cNvPr>
-          <p:cNvSpPr>
-            <a:spLocks noGrp="1"/>
-          </p:cNvSpPr>
-          <p:nvPr>
-            <p:ph idx="1"/>
-          </p:nvPr>
-        </p:nvSpPr>
-        <p:spPr/>
-        <p:txBody>
-          <a:bodyPr/>
-          <a:lstStyle/>
-          <a:p>
+            <a:fld id="{32B7E4A0-4EE4-406C-A5BD-11B20B5D31CC}" type="slidenum">
+              <a:rPr lang="en-US" smtClean="0"/>
+              <a:t>18</a:t>
+            </a:fld>
             <a:endParaRPr lang="en-US"/>
           </a:p>
         </p:txBody>
       </p:sp>
-      <p:pic>
-        <p:nvPicPr>
-          <p:cNvPr id="4" name="Picture 3">
-            <a:extLst>
-              <a:ext uri="{FF2B5EF4-FFF2-40B4-BE49-F238E27FC236}">
-                <a16:creationId xmlns:a16="http://schemas.microsoft.com/office/drawing/2014/main" id="{180C3CED-8E30-46E8-AC6B-6D0F78D7D189}"/>
-              </a:ext>
-            </a:extLst>
-          </p:cNvPr>
-          <p:cNvPicPr>
-            <a:picLocks noChangeAspect="1"/>
-          </p:cNvPicPr>
-          <p:nvPr/>
-        </p:nvPicPr>
-        <p:blipFill>
-          <a:blip r:embed="rId2"/>
-          <a:stretch>
-            <a:fillRect/>
-          </a:stretch>
-        </p:blipFill>
-        <p:spPr>
-          <a:xfrm>
-            <a:off x="3542943" y="1309391"/>
-            <a:ext cx="5106113" cy="4239217"/>
-          </a:xfrm>
-          <a:prstGeom prst="rect">
-            <a:avLst/>
-          </a:prstGeom>
-        </p:spPr>
-      </p:pic>
     </p:spTree>
     <p:extLst>
       <p:ext uri="{BB962C8B-B14F-4D97-AF65-F5344CB8AC3E}">
-        <p14:creationId xmlns:p14="http://schemas.microsoft.com/office/powerpoint/2010/main" val="3820496566"/>
+        <p14:creationId xmlns:p14="http://schemas.microsoft.com/office/powerpoint/2010/main" val="3179188163"/>
       </p:ext>
     </p:extLst>
   </p:cSld>
@@ -9782,7 +10485,7 @@
           <p:cNvPr id="2" name="Title 1">
             <a:extLst>
               <a:ext uri="{FF2B5EF4-FFF2-40B4-BE49-F238E27FC236}">
-                <a16:creationId xmlns:a16="http://schemas.microsoft.com/office/drawing/2014/main" id="{3326DF2F-7247-4325-A6DD-AE3133003A56}"/>
+                <a16:creationId xmlns:a16="http://schemas.microsoft.com/office/drawing/2014/main" id="{7C3B649B-F10A-4BDB-83B0-556277BB37C5}"/>
               </a:ext>
             </a:extLst>
           </p:cNvPr>
@@ -9798,32 +10501,10 @@
           <a:bodyPr/>
           <a:lstStyle/>
           <a:p>
-            <a:endParaRPr lang="en-US"/>
-          </a:p>
-        </p:txBody>
-      </p:sp>
-      <p:sp>
-        <p:nvSpPr>
-          <p:cNvPr id="3" name="Content Placeholder 2">
-            <a:extLst>
-              <a:ext uri="{FF2B5EF4-FFF2-40B4-BE49-F238E27FC236}">
-                <a16:creationId xmlns:a16="http://schemas.microsoft.com/office/drawing/2014/main" id="{9A5A0DD3-50A0-4CC7-BF99-2378397BD300}"/>
-              </a:ext>
-            </a:extLst>
-          </p:cNvPr>
-          <p:cNvSpPr>
-            <a:spLocks noGrp="1"/>
-          </p:cNvSpPr>
-          <p:nvPr>
-            <p:ph idx="1"/>
-          </p:nvPr>
-        </p:nvSpPr>
-        <p:spPr/>
-        <p:txBody>
-          <a:bodyPr/>
-          <a:lstStyle/>
-          <a:p>
-            <a:endParaRPr lang="en-US" dirty="0"/>
+            <a:r>
+              <a:rPr lang="en-US" dirty="0"/>
+              <a:t>Heat Map of Alaska (Level 3) </a:t>
+            </a:r>
           </a:p>
         </p:txBody>
       </p:sp>
@@ -9832,7 +10513,7 @@
           <p:cNvPr id="4" name="Picture 3">
             <a:extLst>
               <a:ext uri="{FF2B5EF4-FFF2-40B4-BE49-F238E27FC236}">
-                <a16:creationId xmlns:a16="http://schemas.microsoft.com/office/drawing/2014/main" id="{C2A52EA8-1108-481D-82E1-784372C16B87}"/>
+                <a16:creationId xmlns:a16="http://schemas.microsoft.com/office/drawing/2014/main" id="{180C3CED-8E30-46E8-AC6B-6D0F78D7D189}"/>
               </a:ext>
             </a:extLst>
           </p:cNvPr>
@@ -9849,18 +10530,47 @@
         </p:blipFill>
         <p:spPr>
           <a:xfrm>
-            <a:off x="738411" y="2152078"/>
-            <a:ext cx="8535591" cy="4096322"/>
+            <a:off x="989887" y="1633241"/>
+            <a:ext cx="5106113" cy="4239217"/>
           </a:xfrm>
           <a:prstGeom prst="rect">
             <a:avLst/>
           </a:prstGeom>
         </p:spPr>
       </p:pic>
+      <p:sp>
+        <p:nvSpPr>
+          <p:cNvPr id="5" name="Slide Number Placeholder 4">
+            <a:extLst>
+              <a:ext uri="{FF2B5EF4-FFF2-40B4-BE49-F238E27FC236}">
+                <a16:creationId xmlns:a16="http://schemas.microsoft.com/office/drawing/2014/main" id="{90558EFB-DEE4-4343-BC5D-3A123BE6BB6F}"/>
+              </a:ext>
+            </a:extLst>
+          </p:cNvPr>
+          <p:cNvSpPr>
+            <a:spLocks noGrp="1"/>
+          </p:cNvSpPr>
+          <p:nvPr>
+            <p:ph type="sldNum" sz="quarter" idx="12"/>
+          </p:nvPr>
+        </p:nvSpPr>
+        <p:spPr/>
+        <p:txBody>
+          <a:bodyPr/>
+          <a:lstStyle/>
+          <a:p>
+            <a:fld id="{32B7E4A0-4EE4-406C-A5BD-11B20B5D31CC}" type="slidenum">
+              <a:rPr lang="en-US" smtClean="0"/>
+              <a:t>19</a:t>
+            </a:fld>
+            <a:endParaRPr lang="en-US"/>
+          </a:p>
+        </p:txBody>
+      </p:sp>
     </p:spTree>
     <p:extLst>
       <p:ext uri="{BB962C8B-B14F-4D97-AF65-F5344CB8AC3E}">
-        <p14:creationId xmlns:p14="http://schemas.microsoft.com/office/powerpoint/2010/main" val="1770406283"/>
+        <p14:creationId xmlns:p14="http://schemas.microsoft.com/office/powerpoint/2010/main" val="3820496566"/>
       </p:ext>
     </p:extLst>
   </p:cSld>
@@ -10207,6 +10917,35 @@
           </a:extLst>
         </p:spPr>
       </p:pic>
+      <p:sp>
+        <p:nvSpPr>
+          <p:cNvPr id="4" name="Slide Number Placeholder 3">
+            <a:extLst>
+              <a:ext uri="{FF2B5EF4-FFF2-40B4-BE49-F238E27FC236}">
+                <a16:creationId xmlns:a16="http://schemas.microsoft.com/office/drawing/2014/main" id="{CD660EEB-F519-4F48-A517-0ACE45A10F40}"/>
+              </a:ext>
+            </a:extLst>
+          </p:cNvPr>
+          <p:cNvSpPr>
+            <a:spLocks noGrp="1"/>
+          </p:cNvSpPr>
+          <p:nvPr>
+            <p:ph type="sldNum" sz="quarter" idx="12"/>
+          </p:nvPr>
+        </p:nvSpPr>
+        <p:spPr/>
+        <p:txBody>
+          <a:bodyPr/>
+          <a:lstStyle/>
+          <a:p>
+            <a:fld id="{32B7E4A0-4EE4-406C-A5BD-11B20B5D31CC}" type="slidenum">
+              <a:rPr lang="en-US" smtClean="0"/>
+              <a:t>2</a:t>
+            </a:fld>
+            <a:endParaRPr lang="en-US"/>
+          </a:p>
+        </p:txBody>
+      </p:sp>
     </p:spTree>
     <p:extLst>
       <p:ext uri="{BB962C8B-B14F-4D97-AF65-F5344CB8AC3E}">
@@ -10258,7 +10997,10 @@
           <a:bodyPr/>
           <a:lstStyle/>
           <a:p>
-            <a:endParaRPr lang="en-US"/>
+            <a:r>
+              <a:rPr lang="en-US" dirty="0"/>
+              <a:t>Which cuisine had the highest number of reviews?</a:t>
+            </a:r>
           </a:p>
         </p:txBody>
       </p:sp>
@@ -10283,7 +11025,7 @@
           <a:bodyPr/>
           <a:lstStyle/>
           <a:p>
-            <a:endParaRPr lang="en-US"/>
+            <a:endParaRPr lang="en-US" dirty="0"/>
           </a:p>
         </p:txBody>
       </p:sp>
@@ -10292,7 +11034,7 @@
           <p:cNvPr id="4" name="Picture 3">
             <a:extLst>
               <a:ext uri="{FF2B5EF4-FFF2-40B4-BE49-F238E27FC236}">
-                <a16:creationId xmlns:a16="http://schemas.microsoft.com/office/drawing/2014/main" id="{E1CD2B69-625D-40E5-B683-6CD771095AAE}"/>
+                <a16:creationId xmlns:a16="http://schemas.microsoft.com/office/drawing/2014/main" id="{C2A52EA8-1108-481D-82E1-784372C16B87}"/>
               </a:ext>
             </a:extLst>
           </p:cNvPr>
@@ -10309,18 +11051,47 @@
         </p:blipFill>
         <p:spPr>
           <a:xfrm>
-            <a:off x="1015131" y="1930400"/>
-            <a:ext cx="7659169" cy="3972479"/>
+            <a:off x="738411" y="2152078"/>
+            <a:ext cx="8535591" cy="4096322"/>
           </a:xfrm>
           <a:prstGeom prst="rect">
             <a:avLst/>
           </a:prstGeom>
         </p:spPr>
       </p:pic>
+      <p:sp>
+        <p:nvSpPr>
+          <p:cNvPr id="6" name="Slide Number Placeholder 5">
+            <a:extLst>
+              <a:ext uri="{FF2B5EF4-FFF2-40B4-BE49-F238E27FC236}">
+                <a16:creationId xmlns:a16="http://schemas.microsoft.com/office/drawing/2014/main" id="{15CAE0D2-44DD-49E1-928B-F3331A599F71}"/>
+              </a:ext>
+            </a:extLst>
+          </p:cNvPr>
+          <p:cNvSpPr>
+            <a:spLocks noGrp="1"/>
+          </p:cNvSpPr>
+          <p:nvPr>
+            <p:ph type="sldNum" sz="quarter" idx="12"/>
+          </p:nvPr>
+        </p:nvSpPr>
+        <p:spPr/>
+        <p:txBody>
+          <a:bodyPr/>
+          <a:lstStyle/>
+          <a:p>
+            <a:fld id="{32B7E4A0-4EE4-406C-A5BD-11B20B5D31CC}" type="slidenum">
+              <a:rPr lang="en-US" smtClean="0"/>
+              <a:t>20</a:t>
+            </a:fld>
+            <a:endParaRPr lang="en-US"/>
+          </a:p>
+        </p:txBody>
+      </p:sp>
     </p:spTree>
     <p:extLst>
       <p:ext uri="{BB962C8B-B14F-4D97-AF65-F5344CB8AC3E}">
-        <p14:creationId xmlns:p14="http://schemas.microsoft.com/office/powerpoint/2010/main" val="591911463"/>
+        <p14:creationId xmlns:p14="http://schemas.microsoft.com/office/powerpoint/2010/main" val="1770406283"/>
       </p:ext>
     </p:extLst>
   </p:cSld>
@@ -10368,16 +11139,49 @@
           <a:bodyPr/>
           <a:lstStyle/>
           <a:p>
-            <a:endParaRPr lang="en-US"/>
-          </a:p>
-        </p:txBody>
-      </p:sp>
-      <p:sp>
-        <p:nvSpPr>
-          <p:cNvPr id="3" name="Content Placeholder 2">
+            <a:r>
+              <a:rPr lang="en-US" dirty="0"/>
+              <a:t>Correlation Between Count of Votes and Average Rating</a:t>
+            </a:r>
+          </a:p>
+        </p:txBody>
+      </p:sp>
+      <p:pic>
+        <p:nvPicPr>
+          <p:cNvPr id="4" name="Picture 3">
             <a:extLst>
               <a:ext uri="{FF2B5EF4-FFF2-40B4-BE49-F238E27FC236}">
-                <a16:creationId xmlns:a16="http://schemas.microsoft.com/office/drawing/2014/main" id="{9A5A0DD3-50A0-4CC7-BF99-2378397BD300}"/>
+                <a16:creationId xmlns:a16="http://schemas.microsoft.com/office/drawing/2014/main" id="{E1CD2B69-625D-40E5-B683-6CD771095AAE}"/>
+              </a:ext>
+            </a:extLst>
+          </p:cNvPr>
+          <p:cNvPicPr>
+            <a:picLocks noChangeAspect="1"/>
+          </p:cNvPicPr>
+          <p:nvPr/>
+        </p:nvPicPr>
+        <p:blipFill>
+          <a:blip r:embed="rId2"/>
+          <a:stretch>
+            <a:fillRect/>
+          </a:stretch>
+        </p:blipFill>
+        <p:spPr>
+          <a:xfrm>
+            <a:off x="397094" y="1797235"/>
+            <a:ext cx="5041807" cy="2614967"/>
+          </a:xfrm>
+          <a:prstGeom prst="rect">
+            <a:avLst/>
+          </a:prstGeom>
+        </p:spPr>
+      </p:pic>
+      <p:sp>
+        <p:nvSpPr>
+          <p:cNvPr id="5" name="Slide Number Placeholder 4">
+            <a:extLst>
+              <a:ext uri="{FF2B5EF4-FFF2-40B4-BE49-F238E27FC236}">
+                <a16:creationId xmlns:a16="http://schemas.microsoft.com/office/drawing/2014/main" id="{37FC04A5-2838-4B5B-8A13-D4D7C344BBDD}"/>
               </a:ext>
             </a:extLst>
           </p:cNvPr>
@@ -10385,7 +11189,7 @@
             <a:spLocks noGrp="1"/>
           </p:cNvSpPr>
           <p:nvPr>
-            <p:ph idx="1"/>
+            <p:ph type="sldNum" sz="quarter" idx="12"/>
           </p:nvPr>
         </p:nvSpPr>
         <p:spPr/>
@@ -10393,7 +11197,175 @@
           <a:bodyPr/>
           <a:lstStyle/>
           <a:p>
+            <a:fld id="{32B7E4A0-4EE4-406C-A5BD-11B20B5D31CC}" type="slidenum">
+              <a:rPr lang="en-US" smtClean="0"/>
+              <a:t>21</a:t>
+            </a:fld>
             <a:endParaRPr lang="en-US"/>
+          </a:p>
+        </p:txBody>
+      </p:sp>
+      <p:sp>
+        <p:nvSpPr>
+          <p:cNvPr id="6" name="TextBox 5">
+            <a:extLst>
+              <a:ext uri="{FF2B5EF4-FFF2-40B4-BE49-F238E27FC236}">
+                <a16:creationId xmlns:a16="http://schemas.microsoft.com/office/drawing/2014/main" id="{46F6981A-3829-4926-983C-05B8A30C25DA}"/>
+              </a:ext>
+            </a:extLst>
+          </p:cNvPr>
+          <p:cNvSpPr txBox="1"/>
+          <p:nvPr/>
+        </p:nvSpPr>
+        <p:spPr>
+          <a:xfrm>
+            <a:off x="816746" y="4500979"/>
+            <a:ext cx="2547891" cy="369332"/>
+          </a:xfrm>
+          <a:prstGeom prst="rect">
+            <a:avLst/>
+          </a:prstGeom>
+          <a:noFill/>
+        </p:spPr>
+        <p:txBody>
+          <a:bodyPr wrap="square" rtlCol="0">
+            <a:spAutoFit/>
+          </a:bodyPr>
+          <a:lstStyle/>
+          <a:p>
+            <a:r>
+              <a:rPr lang="en-US" dirty="0"/>
+              <a:t>Alabama</a:t>
+            </a:r>
+          </a:p>
+        </p:txBody>
+      </p:sp>
+      <p:pic>
+        <p:nvPicPr>
+          <p:cNvPr id="10" name="Picture 9" descr="A close up of a map&#10;&#10;Description automatically generated">
+            <a:extLst>
+              <a:ext uri="{FF2B5EF4-FFF2-40B4-BE49-F238E27FC236}">
+                <a16:creationId xmlns:a16="http://schemas.microsoft.com/office/drawing/2014/main" id="{6483EE8F-D312-4B46-B8A9-94B4300E748B}"/>
+              </a:ext>
+            </a:extLst>
+          </p:cNvPr>
+          <p:cNvPicPr>
+            <a:picLocks noChangeAspect="1"/>
+          </p:cNvPicPr>
+          <p:nvPr/>
+        </p:nvPicPr>
+        <p:blipFill>
+          <a:blip r:embed="rId3">
+            <a:extLst>
+              <a:ext uri="{28A0092B-C50C-407E-A947-70E740481C1C}">
+                <a14:useLocalDpi xmlns:a14="http://schemas.microsoft.com/office/drawing/2010/main" val="0"/>
+              </a:ext>
+            </a:extLst>
+          </a:blip>
+          <a:stretch>
+            <a:fillRect/>
+          </a:stretch>
+        </p:blipFill>
+        <p:spPr>
+          <a:xfrm>
+            <a:off x="5740268" y="2752492"/>
+            <a:ext cx="5487650" cy="3658433"/>
+          </a:xfrm>
+          <a:prstGeom prst="rect">
+            <a:avLst/>
+          </a:prstGeom>
+        </p:spPr>
+      </p:pic>
+      <p:sp>
+        <p:nvSpPr>
+          <p:cNvPr id="11" name="TextBox 10">
+            <a:extLst>
+              <a:ext uri="{FF2B5EF4-FFF2-40B4-BE49-F238E27FC236}">
+                <a16:creationId xmlns:a16="http://schemas.microsoft.com/office/drawing/2014/main" id="{400A8BD2-FA77-4D90-9DA9-9B080CBA08ED}"/>
+              </a:ext>
+            </a:extLst>
+          </p:cNvPr>
+          <p:cNvSpPr txBox="1"/>
+          <p:nvPr/>
+        </p:nvSpPr>
+        <p:spPr>
+          <a:xfrm>
+            <a:off x="7146524" y="2156664"/>
+            <a:ext cx="2556769" cy="369332"/>
+          </a:xfrm>
+          <a:prstGeom prst="rect">
+            <a:avLst/>
+          </a:prstGeom>
+          <a:noFill/>
+        </p:spPr>
+        <p:txBody>
+          <a:bodyPr wrap="square" rtlCol="0">
+            <a:spAutoFit/>
+          </a:bodyPr>
+          <a:lstStyle/>
+          <a:p>
+            <a:r>
+              <a:rPr lang="en-US" dirty="0"/>
+              <a:t>New York</a:t>
+            </a:r>
+          </a:p>
+        </p:txBody>
+      </p:sp>
+    </p:spTree>
+    <p:extLst>
+      <p:ext uri="{BB962C8B-B14F-4D97-AF65-F5344CB8AC3E}">
+        <p14:creationId xmlns:p14="http://schemas.microsoft.com/office/powerpoint/2010/main" val="591911463"/>
+      </p:ext>
+    </p:extLst>
+  </p:cSld>
+  <p:clrMapOvr>
+    <a:masterClrMapping/>
+  </p:clrMapOvr>
+</p:sld>
+</file>
+
+<file path=ppt/slides/slide22.xml><?xml version="1.0" encoding="utf-8"?>
+<p:sld xmlns:a="http://schemas.openxmlformats.org/drawingml/2006/main" xmlns:r="http://schemas.openxmlformats.org/officeDocument/2006/relationships" xmlns:p="http://schemas.openxmlformats.org/presentationml/2006/main">
+  <p:cSld>
+    <p:spTree>
+      <p:nvGrpSpPr>
+        <p:cNvPr id="1" name=""/>
+        <p:cNvGrpSpPr/>
+        <p:nvPr/>
+      </p:nvGrpSpPr>
+      <p:grpSpPr>
+        <a:xfrm>
+          <a:off x="0" y="0"/>
+          <a:ext cx="0" cy="0"/>
+          <a:chOff x="0" y="0"/>
+          <a:chExt cx="0" cy="0"/>
+        </a:xfrm>
+      </p:grpSpPr>
+      <p:sp>
+        <p:nvSpPr>
+          <p:cNvPr id="2" name="Title 1">
+            <a:extLst>
+              <a:ext uri="{FF2B5EF4-FFF2-40B4-BE49-F238E27FC236}">
+                <a16:creationId xmlns:a16="http://schemas.microsoft.com/office/drawing/2014/main" id="{3326DF2F-7247-4325-A6DD-AE3133003A56}"/>
+              </a:ext>
+            </a:extLst>
+          </p:cNvPr>
+          <p:cNvSpPr>
+            <a:spLocks noGrp="1"/>
+          </p:cNvSpPr>
+          <p:nvPr>
+            <p:ph type="title"/>
+          </p:nvPr>
+        </p:nvSpPr>
+        <p:spPr/>
+        <p:txBody>
+          <a:bodyPr/>
+          <a:lstStyle/>
+          <a:p>
+            <a:r>
+              <a:rPr lang="en-US" dirty="0"/>
+              <a:t>Horizontal Bar Chart Showing Number of Reviews vs. Cuisines</a:t>
+            </a:r>
           </a:p>
         </p:txBody>
       </p:sp>
@@ -10427,6 +11399,35 @@
           </a:prstGeom>
         </p:spPr>
       </p:pic>
+      <p:sp>
+        <p:nvSpPr>
+          <p:cNvPr id="5" name="Slide Number Placeholder 4">
+            <a:extLst>
+              <a:ext uri="{FF2B5EF4-FFF2-40B4-BE49-F238E27FC236}">
+                <a16:creationId xmlns:a16="http://schemas.microsoft.com/office/drawing/2014/main" id="{3B6F2E3B-8D42-46FE-9900-69B054E9C66C}"/>
+              </a:ext>
+            </a:extLst>
+          </p:cNvPr>
+          <p:cNvSpPr>
+            <a:spLocks noGrp="1"/>
+          </p:cNvSpPr>
+          <p:nvPr>
+            <p:ph type="sldNum" sz="quarter" idx="12"/>
+          </p:nvPr>
+        </p:nvSpPr>
+        <p:spPr/>
+        <p:txBody>
+          <a:bodyPr/>
+          <a:lstStyle/>
+          <a:p>
+            <a:fld id="{32B7E4A0-4EE4-406C-A5BD-11B20B5D31CC}" type="slidenum">
+              <a:rPr lang="en-US" smtClean="0"/>
+              <a:t>22</a:t>
+            </a:fld>
+            <a:endParaRPr lang="en-US"/>
+          </a:p>
+        </p:txBody>
+      </p:sp>
     </p:spTree>
     <p:extLst>
       <p:ext uri="{BB962C8B-B14F-4D97-AF65-F5344CB8AC3E}">
@@ -10440,7 +11441,7 @@
 </p:sld>
 </file>
 
-<file path=ppt/slides/slide22.xml><?xml version="1.0" encoding="utf-8"?>
+<file path=ppt/slides/slide23.xml><?xml version="1.0" encoding="utf-8"?>
 <p:sld xmlns:a="http://schemas.openxmlformats.org/drawingml/2006/main" xmlns:r="http://schemas.openxmlformats.org/officeDocument/2006/relationships" xmlns:p="http://schemas.openxmlformats.org/presentationml/2006/main">
   <p:cSld>
     <p:spTree>
@@ -10480,42 +11481,17 @@
           <a:p>
             <a:r>
               <a:rPr lang="en-US" dirty="0"/>
-              <a:t>Cuisine by Count</a:t>
-            </a:r>
-          </a:p>
-        </p:txBody>
-      </p:sp>
-      <p:sp>
-        <p:nvSpPr>
-          <p:cNvPr id="3" name="Content Placeholder 2">
+              <a:t>Number of Successful API Calls with Results</a:t>
+            </a:r>
+          </a:p>
+        </p:txBody>
+      </p:sp>
+      <p:pic>
+        <p:nvPicPr>
+          <p:cNvPr id="4" name="Picture 3">
             <a:extLst>
               <a:ext uri="{FF2B5EF4-FFF2-40B4-BE49-F238E27FC236}">
-                <a16:creationId xmlns:a16="http://schemas.microsoft.com/office/drawing/2014/main" id="{89A176FB-0B83-409D-BF55-E4692D234619}"/>
-              </a:ext>
-            </a:extLst>
-          </p:cNvPr>
-          <p:cNvSpPr>
-            <a:spLocks noGrp="1"/>
-          </p:cNvSpPr>
-          <p:nvPr>
-            <p:ph idx="1"/>
-          </p:nvPr>
-        </p:nvSpPr>
-        <p:spPr/>
-        <p:txBody>
-          <a:bodyPr/>
-          <a:lstStyle/>
-          <a:p>
-            <a:endParaRPr lang="en-US" dirty="0"/>
-          </a:p>
-        </p:txBody>
-      </p:sp>
-      <p:pic>
-        <p:nvPicPr>
-          <p:cNvPr id="5" name="Picture 4">
-            <a:extLst>
-              <a:ext uri="{FF2B5EF4-FFF2-40B4-BE49-F238E27FC236}">
-                <a16:creationId xmlns:a16="http://schemas.microsoft.com/office/drawing/2014/main" id="{41FA0DA6-D4C4-4E27-BEB8-F3C2B9CE07F4}"/>
+                <a16:creationId xmlns:a16="http://schemas.microsoft.com/office/drawing/2014/main" id="{640AEF6E-8401-4B73-AEC3-DF0F45D81C39}"/>
               </a:ext>
             </a:extLst>
           </p:cNvPr>
@@ -10524,22 +11500,129 @@
           </p:cNvPicPr>
           <p:nvPr/>
         </p:nvPicPr>
-        <p:blipFill>
+        <p:blipFill rotWithShape="1">
           <a:blip r:embed="rId2"/>
-          <a:stretch>
-            <a:fillRect/>
-          </a:stretch>
+          <a:srcRect t="4662"/>
+          <a:stretch/>
         </p:blipFill>
         <p:spPr>
           <a:xfrm>
-            <a:off x="4471297" y="0"/>
-            <a:ext cx="3249406" cy="6858000"/>
+            <a:off x="5729907" y="1715344"/>
+            <a:ext cx="2791215" cy="4541075"/>
           </a:xfrm>
           <a:prstGeom prst="rect">
             <a:avLst/>
           </a:prstGeom>
         </p:spPr>
       </p:pic>
+      <p:sp>
+        <p:nvSpPr>
+          <p:cNvPr id="5" name="Slide Number Placeholder 4">
+            <a:extLst>
+              <a:ext uri="{FF2B5EF4-FFF2-40B4-BE49-F238E27FC236}">
+                <a16:creationId xmlns:a16="http://schemas.microsoft.com/office/drawing/2014/main" id="{B5CEB8D1-3A23-4506-8827-768740B457DE}"/>
+              </a:ext>
+            </a:extLst>
+          </p:cNvPr>
+          <p:cNvSpPr>
+            <a:spLocks noGrp="1"/>
+          </p:cNvSpPr>
+          <p:nvPr>
+            <p:ph type="sldNum" sz="quarter" idx="12"/>
+          </p:nvPr>
+        </p:nvSpPr>
+        <p:spPr/>
+        <p:txBody>
+          <a:bodyPr/>
+          <a:lstStyle/>
+          <a:p>
+            <a:fld id="{32B7E4A0-4EE4-406C-A5BD-11B20B5D31CC}" type="slidenum">
+              <a:rPr lang="en-US" smtClean="0"/>
+              <a:t>23</a:t>
+            </a:fld>
+            <a:endParaRPr lang="en-US"/>
+          </a:p>
+        </p:txBody>
+      </p:sp>
+      <p:sp>
+        <p:nvSpPr>
+          <p:cNvPr id="3" name="TextBox 2">
+            <a:extLst>
+              <a:ext uri="{FF2B5EF4-FFF2-40B4-BE49-F238E27FC236}">
+                <a16:creationId xmlns:a16="http://schemas.microsoft.com/office/drawing/2014/main" id="{A8E2CC95-E0AD-497F-9314-49ADF532F77D}"/>
+              </a:ext>
+            </a:extLst>
+          </p:cNvPr>
+          <p:cNvSpPr txBox="1"/>
+          <p:nvPr/>
+        </p:nvSpPr>
+        <p:spPr>
+          <a:xfrm>
+            <a:off x="677335" y="2440419"/>
+            <a:ext cx="4379116" cy="1754326"/>
+          </a:xfrm>
+          <a:prstGeom prst="rect">
+            <a:avLst/>
+          </a:prstGeom>
+          <a:noFill/>
+        </p:spPr>
+        <p:txBody>
+          <a:bodyPr wrap="square" rtlCol="0">
+            <a:spAutoFit/>
+          </a:bodyPr>
+          <a:lstStyle/>
+          <a:p>
+            <a:pPr marL="285750" indent="-285750">
+              <a:buFont typeface="Arial" panose="020B0604020202020204" pitchFamily="34" charset="0"/>
+              <a:buChar char="•"/>
+            </a:pPr>
+            <a:r>
+              <a:rPr lang="en-US" dirty="0"/>
+              <a:t>For each city we made 20 different cuisine calls.</a:t>
+            </a:r>
+          </a:p>
+          <a:p>
+            <a:pPr marL="285750" indent="-285750">
+              <a:buFont typeface="Arial" panose="020B0604020202020204" pitchFamily="34" charset="0"/>
+              <a:buChar char="•"/>
+            </a:pPr>
+            <a:r>
+              <a:rPr lang="en-US" dirty="0"/>
+              <a:t> </a:t>
+            </a:r>
+          </a:p>
+          <a:p>
+            <a:pPr marL="742950" lvl="1" indent="-285750">
+              <a:buFont typeface="Arial" panose="020B0604020202020204" pitchFamily="34" charset="0"/>
+              <a:buChar char="•"/>
+            </a:pPr>
+            <a:r>
+              <a:rPr lang="en-US" dirty="0"/>
+              <a:t>South Dakota only 7</a:t>
+            </a:r>
+          </a:p>
+          <a:p>
+            <a:pPr marL="742950" lvl="1" indent="-285750">
+              <a:buFont typeface="Arial" panose="020B0604020202020204" pitchFamily="34" charset="0"/>
+              <a:buChar char="•"/>
+            </a:pPr>
+            <a:r>
+              <a:rPr lang="en-US" dirty="0"/>
+              <a:t>Alaska only 13</a:t>
+            </a:r>
+          </a:p>
+          <a:p>
+            <a:pPr marL="742950" lvl="1" indent="-285750">
+              <a:buFont typeface="Arial" panose="020B0604020202020204" pitchFamily="34" charset="0"/>
+              <a:buChar char="•"/>
+            </a:pPr>
+            <a:r>
+              <a:rPr lang="en-US" dirty="0"/>
+              <a:t>And so on…</a:t>
+            </a:r>
+          </a:p>
+        </p:txBody>
+      </p:sp>
     </p:spTree>
     <p:extLst>
       <p:ext uri="{BB962C8B-B14F-4D97-AF65-F5344CB8AC3E}">
@@ -10553,7 +11636,7 @@
 </p:sld>
 </file>
 
-<file path=ppt/slides/slide23.xml><?xml version="1.0" encoding="utf-8"?>
+<file path=ppt/slides/slide24.xml><?xml version="1.0" encoding="utf-8"?>
 <p:sld xmlns:a="http://schemas.openxmlformats.org/drawingml/2006/main" xmlns:r="http://schemas.openxmlformats.org/officeDocument/2006/relationships" xmlns:p="http://schemas.openxmlformats.org/presentationml/2006/main">
   <p:cSld>
     <p:bg>
@@ -10578,12 +11661,777 @@
           <a:chExt cx="0" cy="0"/>
         </a:xfrm>
       </p:grpSpPr>
-      <p:sp useBgFill="1">
-        <p:nvSpPr>
-          <p:cNvPr id="9" name="Rectangle 8">
+      <p:grpSp>
+        <p:nvGrpSpPr>
+          <p:cNvPr id="10" name="Group 9">
             <a:extLst>
               <a:ext uri="{FF2B5EF4-FFF2-40B4-BE49-F238E27FC236}">
-                <a16:creationId xmlns:a16="http://schemas.microsoft.com/office/drawing/2014/main" id="{A65AC7D1-EAA9-48F5-B509-60A7F50BF703}"/>
+                <a16:creationId xmlns:a16="http://schemas.microsoft.com/office/drawing/2014/main" id="{B4DE830A-B531-4A3B-96F6-0ECE88B08555}"/>
+              </a:ext>
+              <a:ext uri="{C183D7F6-B498-43B3-948B-1728B52AA6E4}">
+                <adec:decorative xmlns:adec="http://schemas.microsoft.com/office/drawing/2017/decorative" val="1"/>
+              </a:ext>
+            </a:extLst>
+          </p:cNvPr>
+          <p:cNvGrpSpPr>
+            <a:grpSpLocks noGrp="1" noUngrp="1" noRot="1" noChangeAspect="1" noMove="1" noResize="1"/>
+          </p:cNvGrpSpPr>
+          <p:nvPr>
+            <p:extLst>
+              <p:ext uri="{386F3935-93C4-4BCD-93E2-E3B085C9AB24}">
+                <p16:designElem xmlns:p16="http://schemas.microsoft.com/office/powerpoint/2015/main" val="1"/>
+              </p:ext>
+            </p:extLst>
+          </p:nvPr>
+        </p:nvGrpSpPr>
+        <p:grpSpPr>
+          <a:xfrm>
+            <a:off x="0" y="-8467"/>
+            <a:ext cx="12192000" cy="6866467"/>
+            <a:chOff x="0" y="-8467"/>
+            <a:chExt cx="12192000" cy="6866467"/>
+          </a:xfrm>
+        </p:grpSpPr>
+        <p:cxnSp>
+          <p:nvCxnSpPr>
+            <p:cNvPr id="11" name="Straight Connector 10">
+              <a:extLst>
+                <a:ext uri="{FF2B5EF4-FFF2-40B4-BE49-F238E27FC236}">
+                  <a16:creationId xmlns:a16="http://schemas.microsoft.com/office/drawing/2014/main" id="{2813DF2C-461A-4A8F-9679-A172790D1F3A}"/>
+                </a:ext>
+                <a:ext uri="{C183D7F6-B498-43B3-948B-1728B52AA6E4}">
+                  <adec:decorative xmlns:adec="http://schemas.microsoft.com/office/drawing/2017/decorative" val="1"/>
+                </a:ext>
+              </a:extLst>
+            </p:cNvPr>
+            <p:cNvCxnSpPr/>
+            <p:nvPr>
+              <p:extLst>
+                <p:ext uri="{386F3935-93C4-4BCD-93E2-E3B085C9AB24}">
+                  <p16:designElem xmlns:p16="http://schemas.microsoft.com/office/powerpoint/2015/main" val="1"/>
+                </p:ext>
+              </p:extLst>
+            </p:nvPr>
+          </p:nvCxnSpPr>
+          <p:spPr>
+            <a:xfrm>
+              <a:off x="9371012" y="0"/>
+              <a:ext cx="1219200" cy="6858000"/>
+            </a:xfrm>
+            <a:prstGeom prst="line">
+              <a:avLst/>
+            </a:prstGeom>
+            <a:ln w="9525">
+              <a:solidFill>
+                <a:schemeClr val="bg1">
+                  <a:lumMod val="75000"/>
+                </a:schemeClr>
+              </a:solidFill>
+            </a:ln>
+          </p:spPr>
+          <p:style>
+            <a:lnRef idx="2">
+              <a:schemeClr val="accent1"/>
+            </a:lnRef>
+            <a:fillRef idx="0">
+              <a:schemeClr val="accent1"/>
+            </a:fillRef>
+            <a:effectRef idx="1">
+              <a:schemeClr val="accent1"/>
+            </a:effectRef>
+            <a:fontRef idx="minor">
+              <a:schemeClr val="tx1"/>
+            </a:fontRef>
+          </p:style>
+        </p:cxnSp>
+        <p:cxnSp>
+          <p:nvCxnSpPr>
+            <p:cNvPr id="12" name="Straight Connector 11">
+              <a:extLst>
+                <a:ext uri="{FF2B5EF4-FFF2-40B4-BE49-F238E27FC236}">
+                  <a16:creationId xmlns:a16="http://schemas.microsoft.com/office/drawing/2014/main" id="{54CD3A85-C039-4249-86E4-1EB9318B5495}"/>
+                </a:ext>
+                <a:ext uri="{C183D7F6-B498-43B3-948B-1728B52AA6E4}">
+                  <adec:decorative xmlns:adec="http://schemas.microsoft.com/office/drawing/2017/decorative" val="1"/>
+                </a:ext>
+              </a:extLst>
+            </p:cNvPr>
+            <p:cNvCxnSpPr/>
+            <p:nvPr>
+              <p:extLst>
+                <p:ext uri="{386F3935-93C4-4BCD-93E2-E3B085C9AB24}">
+                  <p16:designElem xmlns:p16="http://schemas.microsoft.com/office/powerpoint/2015/main" val="1"/>
+                </p:ext>
+              </p:extLst>
+            </p:nvPr>
+          </p:nvCxnSpPr>
+          <p:spPr>
+            <a:xfrm flipH="1">
+              <a:off x="7425267" y="3681413"/>
+              <a:ext cx="4763558" cy="3176587"/>
+            </a:xfrm>
+            <a:prstGeom prst="line">
+              <a:avLst/>
+            </a:prstGeom>
+            <a:ln w="9525">
+              <a:solidFill>
+                <a:schemeClr val="bg1">
+                  <a:lumMod val="85000"/>
+                </a:schemeClr>
+              </a:solidFill>
+            </a:ln>
+          </p:spPr>
+          <p:style>
+            <a:lnRef idx="2">
+              <a:schemeClr val="accent1"/>
+            </a:lnRef>
+            <a:fillRef idx="0">
+              <a:schemeClr val="accent1"/>
+            </a:fillRef>
+            <a:effectRef idx="1">
+              <a:schemeClr val="accent1"/>
+            </a:effectRef>
+            <a:fontRef idx="minor">
+              <a:schemeClr val="tx1"/>
+            </a:fontRef>
+          </p:style>
+        </p:cxnSp>
+        <p:sp>
+          <p:nvSpPr>
+            <p:cNvPr id="13" name="Rectangle 23">
+              <a:extLst>
+                <a:ext uri="{FF2B5EF4-FFF2-40B4-BE49-F238E27FC236}">
+                  <a16:creationId xmlns:a16="http://schemas.microsoft.com/office/drawing/2014/main" id="{887EA6D2-2883-42C2-993D-094CA6D65DA3}"/>
+                </a:ext>
+                <a:ext uri="{C183D7F6-B498-43B3-948B-1728B52AA6E4}">
+                  <adec:decorative xmlns:adec="http://schemas.microsoft.com/office/drawing/2017/decorative" val="1"/>
+                </a:ext>
+              </a:extLst>
+            </p:cNvPr>
+            <p:cNvSpPr/>
+            <p:nvPr>
+              <p:extLst>
+                <p:ext uri="{386F3935-93C4-4BCD-93E2-E3B085C9AB24}">
+                  <p16:designElem xmlns:p16="http://schemas.microsoft.com/office/powerpoint/2015/main" val="1"/>
+                </p:ext>
+              </p:extLst>
+            </p:nvPr>
+          </p:nvSpPr>
+          <p:spPr>
+            <a:xfrm>
+              <a:off x="9181476" y="-8467"/>
+              <a:ext cx="3007349" cy="6866467"/>
+            </a:xfrm>
+            <a:custGeom>
+              <a:avLst/>
+              <a:gdLst/>
+              <a:ahLst/>
+              <a:cxnLst/>
+              <a:rect l="l" t="t" r="r" b="b"/>
+              <a:pathLst>
+                <a:path w="3007349" h="6866467">
+                  <a:moveTo>
+                    <a:pt x="2045532" y="0"/>
+                  </a:moveTo>
+                  <a:lnTo>
+                    <a:pt x="3007349" y="0"/>
+                  </a:lnTo>
+                  <a:lnTo>
+                    <a:pt x="3007349" y="6866467"/>
+                  </a:lnTo>
+                  <a:lnTo>
+                    <a:pt x="0" y="6866467"/>
+                  </a:lnTo>
+                  <a:lnTo>
+                    <a:pt x="2045532" y="0"/>
+                  </a:lnTo>
+                  <a:close/>
+                </a:path>
+              </a:pathLst>
+            </a:custGeom>
+            <a:solidFill>
+              <a:schemeClr val="accent1">
+                <a:alpha val="30000"/>
+              </a:schemeClr>
+            </a:solidFill>
+            <a:ln>
+              <a:noFill/>
+            </a:ln>
+            <a:effectLst/>
+          </p:spPr>
+          <p:style>
+            <a:lnRef idx="1">
+              <a:schemeClr val="accent1"/>
+            </a:lnRef>
+            <a:fillRef idx="3">
+              <a:schemeClr val="accent1"/>
+            </a:fillRef>
+            <a:effectRef idx="2">
+              <a:schemeClr val="accent1"/>
+            </a:effectRef>
+            <a:fontRef idx="minor">
+              <a:schemeClr val="lt1"/>
+            </a:fontRef>
+          </p:style>
+        </p:sp>
+        <p:sp>
+          <p:nvSpPr>
+            <p:cNvPr id="14" name="Rectangle 25">
+              <a:extLst>
+                <a:ext uri="{FF2B5EF4-FFF2-40B4-BE49-F238E27FC236}">
+                  <a16:creationId xmlns:a16="http://schemas.microsoft.com/office/drawing/2014/main" id="{3B895046-636F-4D1B-ACA4-29AA0CB3329F}"/>
+                </a:ext>
+                <a:ext uri="{C183D7F6-B498-43B3-948B-1728B52AA6E4}">
+                  <adec:decorative xmlns:adec="http://schemas.microsoft.com/office/drawing/2017/decorative" val="1"/>
+                </a:ext>
+              </a:extLst>
+            </p:cNvPr>
+            <p:cNvSpPr/>
+            <p:nvPr>
+              <p:extLst>
+                <p:ext uri="{386F3935-93C4-4BCD-93E2-E3B085C9AB24}">
+                  <p16:designElem xmlns:p16="http://schemas.microsoft.com/office/powerpoint/2015/main" val="1"/>
+                </p:ext>
+              </p:extLst>
+            </p:nvPr>
+          </p:nvSpPr>
+          <p:spPr>
+            <a:xfrm>
+              <a:off x="9603442" y="-8467"/>
+              <a:ext cx="2588558" cy="6866467"/>
+            </a:xfrm>
+            <a:custGeom>
+              <a:avLst/>
+              <a:gdLst/>
+              <a:ahLst/>
+              <a:cxnLst/>
+              <a:rect l="l" t="t" r="r" b="b"/>
+              <a:pathLst>
+                <a:path w="2573311" h="6866467">
+                  <a:moveTo>
+                    <a:pt x="0" y="0"/>
+                  </a:moveTo>
+                  <a:lnTo>
+                    <a:pt x="2573311" y="0"/>
+                  </a:lnTo>
+                  <a:lnTo>
+                    <a:pt x="2573311" y="6866467"/>
+                  </a:lnTo>
+                  <a:lnTo>
+                    <a:pt x="1202336" y="6866467"/>
+                  </a:lnTo>
+                  <a:lnTo>
+                    <a:pt x="0" y="0"/>
+                  </a:lnTo>
+                  <a:close/>
+                </a:path>
+              </a:pathLst>
+            </a:custGeom>
+            <a:solidFill>
+              <a:schemeClr val="accent1">
+                <a:alpha val="20000"/>
+              </a:schemeClr>
+            </a:solidFill>
+            <a:ln>
+              <a:noFill/>
+            </a:ln>
+            <a:effectLst/>
+          </p:spPr>
+          <p:style>
+            <a:lnRef idx="1">
+              <a:schemeClr val="accent1"/>
+            </a:lnRef>
+            <a:fillRef idx="3">
+              <a:schemeClr val="accent1"/>
+            </a:fillRef>
+            <a:effectRef idx="2">
+              <a:schemeClr val="accent1"/>
+            </a:effectRef>
+            <a:fontRef idx="minor">
+              <a:schemeClr val="lt1"/>
+            </a:fontRef>
+          </p:style>
+        </p:sp>
+        <p:sp>
+          <p:nvSpPr>
+            <p:cNvPr id="15" name="Isosceles Triangle 14">
+              <a:extLst>
+                <a:ext uri="{FF2B5EF4-FFF2-40B4-BE49-F238E27FC236}">
+                  <a16:creationId xmlns:a16="http://schemas.microsoft.com/office/drawing/2014/main" id="{C6B0CDE3-E054-4EDD-A43B-F96843D8BF51}"/>
+                </a:ext>
+                <a:ext uri="{C183D7F6-B498-43B3-948B-1728B52AA6E4}">
+                  <adec:decorative xmlns:adec="http://schemas.microsoft.com/office/drawing/2017/decorative" val="1"/>
+                </a:ext>
+              </a:extLst>
+            </p:cNvPr>
+            <p:cNvSpPr/>
+            <p:nvPr>
+              <p:extLst>
+                <p:ext uri="{386F3935-93C4-4BCD-93E2-E3B085C9AB24}">
+                  <p16:designElem xmlns:p16="http://schemas.microsoft.com/office/powerpoint/2015/main" val="1"/>
+                </p:ext>
+              </p:extLst>
+            </p:nvPr>
+          </p:nvSpPr>
+          <p:spPr>
+            <a:xfrm>
+              <a:off x="8932333" y="3048000"/>
+              <a:ext cx="3259667" cy="3810000"/>
+            </a:xfrm>
+            <a:prstGeom prst="triangle">
+              <a:avLst>
+                <a:gd name="adj" fmla="val 100000"/>
+              </a:avLst>
+            </a:prstGeom>
+            <a:solidFill>
+              <a:schemeClr val="accent2">
+                <a:alpha val="72000"/>
+              </a:schemeClr>
+            </a:solidFill>
+            <a:ln>
+              <a:noFill/>
+            </a:ln>
+            <a:effectLst/>
+          </p:spPr>
+          <p:style>
+            <a:lnRef idx="1">
+              <a:schemeClr val="accent1"/>
+            </a:lnRef>
+            <a:fillRef idx="3">
+              <a:schemeClr val="accent1"/>
+            </a:fillRef>
+            <a:effectRef idx="2">
+              <a:schemeClr val="accent1"/>
+            </a:effectRef>
+            <a:fontRef idx="minor">
+              <a:schemeClr val="lt1"/>
+            </a:fontRef>
+          </p:style>
+        </p:sp>
+        <p:sp>
+          <p:nvSpPr>
+            <p:cNvPr id="16" name="Rectangle 27">
+              <a:extLst>
+                <a:ext uri="{FF2B5EF4-FFF2-40B4-BE49-F238E27FC236}">
+                  <a16:creationId xmlns:a16="http://schemas.microsoft.com/office/drawing/2014/main" id="{3B66B1A2-F145-4C9B-85CC-4BF30D58CBC5}"/>
+                </a:ext>
+                <a:ext uri="{C183D7F6-B498-43B3-948B-1728B52AA6E4}">
+                  <adec:decorative xmlns:adec="http://schemas.microsoft.com/office/drawing/2017/decorative" val="1"/>
+                </a:ext>
+              </a:extLst>
+            </p:cNvPr>
+            <p:cNvSpPr/>
+            <p:nvPr>
+              <p:extLst>
+                <p:ext uri="{386F3935-93C4-4BCD-93E2-E3B085C9AB24}">
+                  <p16:designElem xmlns:p16="http://schemas.microsoft.com/office/powerpoint/2015/main" val="1"/>
+                </p:ext>
+              </p:extLst>
+            </p:nvPr>
+          </p:nvSpPr>
+          <p:spPr>
+            <a:xfrm>
+              <a:off x="9334500" y="-8467"/>
+              <a:ext cx="2854326" cy="6866467"/>
+            </a:xfrm>
+            <a:custGeom>
+              <a:avLst/>
+              <a:gdLst/>
+              <a:ahLst/>
+              <a:cxnLst/>
+              <a:rect l="l" t="t" r="r" b="b"/>
+              <a:pathLst>
+                <a:path w="2858013" h="6866467">
+                  <a:moveTo>
+                    <a:pt x="0" y="0"/>
+                  </a:moveTo>
+                  <a:lnTo>
+                    <a:pt x="2858013" y="0"/>
+                  </a:lnTo>
+                  <a:lnTo>
+                    <a:pt x="2858013" y="6866467"/>
+                  </a:lnTo>
+                  <a:lnTo>
+                    <a:pt x="2473942" y="6866467"/>
+                  </a:lnTo>
+                  <a:lnTo>
+                    <a:pt x="0" y="0"/>
+                  </a:lnTo>
+                  <a:close/>
+                </a:path>
+              </a:pathLst>
+            </a:custGeom>
+            <a:solidFill>
+              <a:schemeClr val="accent2">
+                <a:lumMod val="75000"/>
+                <a:alpha val="70000"/>
+              </a:schemeClr>
+            </a:solidFill>
+            <a:ln>
+              <a:noFill/>
+            </a:ln>
+            <a:effectLst/>
+          </p:spPr>
+          <p:style>
+            <a:lnRef idx="1">
+              <a:schemeClr val="accent1"/>
+            </a:lnRef>
+            <a:fillRef idx="3">
+              <a:schemeClr val="accent1"/>
+            </a:fillRef>
+            <a:effectRef idx="2">
+              <a:schemeClr val="accent1"/>
+            </a:effectRef>
+            <a:fontRef idx="minor">
+              <a:schemeClr val="lt1"/>
+            </a:fontRef>
+          </p:style>
+        </p:sp>
+        <p:sp>
+          <p:nvSpPr>
+            <p:cNvPr id="17" name="Rectangle 28">
+              <a:extLst>
+                <a:ext uri="{FF2B5EF4-FFF2-40B4-BE49-F238E27FC236}">
+                  <a16:creationId xmlns:a16="http://schemas.microsoft.com/office/drawing/2014/main" id="{5D4FC972-94B3-4035-8D31-E668C132B411}"/>
+                </a:ext>
+                <a:ext uri="{C183D7F6-B498-43B3-948B-1728B52AA6E4}">
+                  <adec:decorative xmlns:adec="http://schemas.microsoft.com/office/drawing/2017/decorative" val="1"/>
+                </a:ext>
+              </a:extLst>
+            </p:cNvPr>
+            <p:cNvSpPr/>
+            <p:nvPr>
+              <p:extLst>
+                <p:ext uri="{386F3935-93C4-4BCD-93E2-E3B085C9AB24}">
+                  <p16:designElem xmlns:p16="http://schemas.microsoft.com/office/powerpoint/2015/main" val="1"/>
+                </p:ext>
+              </p:extLst>
+            </p:nvPr>
+          </p:nvSpPr>
+          <p:spPr>
+            <a:xfrm>
+              <a:off x="10898730" y="-8467"/>
+              <a:ext cx="1290094" cy="6866467"/>
+            </a:xfrm>
+            <a:custGeom>
+              <a:avLst/>
+              <a:gdLst/>
+              <a:ahLst/>
+              <a:cxnLst/>
+              <a:rect l="l" t="t" r="r" b="b"/>
+              <a:pathLst>
+                <a:path w="1290094" h="6858000">
+                  <a:moveTo>
+                    <a:pt x="1019735" y="0"/>
+                  </a:moveTo>
+                  <a:lnTo>
+                    <a:pt x="1290094" y="0"/>
+                  </a:lnTo>
+                  <a:lnTo>
+                    <a:pt x="1290094" y="6858000"/>
+                  </a:lnTo>
+                  <a:lnTo>
+                    <a:pt x="0" y="6858000"/>
+                  </a:lnTo>
+                  <a:lnTo>
+                    <a:pt x="1019735" y="0"/>
+                  </a:lnTo>
+                  <a:close/>
+                </a:path>
+              </a:pathLst>
+            </a:custGeom>
+            <a:solidFill>
+              <a:schemeClr val="accent1">
+                <a:lumMod val="60000"/>
+                <a:lumOff val="40000"/>
+                <a:alpha val="70000"/>
+              </a:schemeClr>
+            </a:solidFill>
+            <a:ln>
+              <a:noFill/>
+            </a:ln>
+            <a:effectLst/>
+          </p:spPr>
+          <p:style>
+            <a:lnRef idx="1">
+              <a:schemeClr val="accent1"/>
+            </a:lnRef>
+            <a:fillRef idx="3">
+              <a:schemeClr val="accent1"/>
+            </a:fillRef>
+            <a:effectRef idx="2">
+              <a:schemeClr val="accent1"/>
+            </a:effectRef>
+            <a:fontRef idx="minor">
+              <a:schemeClr val="lt1"/>
+            </a:fontRef>
+          </p:style>
+        </p:sp>
+        <p:sp>
+          <p:nvSpPr>
+            <p:cNvPr id="18" name="Rectangle 29">
+              <a:extLst>
+                <a:ext uri="{FF2B5EF4-FFF2-40B4-BE49-F238E27FC236}">
+                  <a16:creationId xmlns:a16="http://schemas.microsoft.com/office/drawing/2014/main" id="{374B9941-AFBE-4A77-A50E-B6EA04A746AE}"/>
+                </a:ext>
+                <a:ext uri="{C183D7F6-B498-43B3-948B-1728B52AA6E4}">
+                  <adec:decorative xmlns:adec="http://schemas.microsoft.com/office/drawing/2017/decorative" val="1"/>
+                </a:ext>
+              </a:extLst>
+            </p:cNvPr>
+            <p:cNvSpPr/>
+            <p:nvPr>
+              <p:extLst>
+                <p:ext uri="{386F3935-93C4-4BCD-93E2-E3B085C9AB24}">
+                  <p16:designElem xmlns:p16="http://schemas.microsoft.com/office/powerpoint/2015/main" val="1"/>
+                </p:ext>
+              </p:extLst>
+            </p:nvPr>
+          </p:nvSpPr>
+          <p:spPr>
+            <a:xfrm>
+              <a:off x="10938999" y="-8467"/>
+              <a:ext cx="1249825" cy="6866467"/>
+            </a:xfrm>
+            <a:custGeom>
+              <a:avLst/>
+              <a:gdLst/>
+              <a:ahLst/>
+              <a:cxnLst/>
+              <a:rect l="l" t="t" r="r" b="b"/>
+              <a:pathLst>
+                <a:path w="1249825" h="6858000">
+                  <a:moveTo>
+                    <a:pt x="0" y="0"/>
+                  </a:moveTo>
+                  <a:lnTo>
+                    <a:pt x="1249825" y="0"/>
+                  </a:lnTo>
+                  <a:lnTo>
+                    <a:pt x="1249825" y="6858000"/>
+                  </a:lnTo>
+                  <a:lnTo>
+                    <a:pt x="1109382" y="6858000"/>
+                  </a:lnTo>
+                  <a:lnTo>
+                    <a:pt x="0" y="0"/>
+                  </a:lnTo>
+                  <a:close/>
+                </a:path>
+              </a:pathLst>
+            </a:custGeom>
+            <a:solidFill>
+              <a:schemeClr val="accent1">
+                <a:alpha val="65000"/>
+              </a:schemeClr>
+            </a:solidFill>
+            <a:ln>
+              <a:noFill/>
+            </a:ln>
+            <a:effectLst/>
+          </p:spPr>
+          <p:style>
+            <a:lnRef idx="1">
+              <a:schemeClr val="accent1"/>
+            </a:lnRef>
+            <a:fillRef idx="3">
+              <a:schemeClr val="accent1"/>
+            </a:fillRef>
+            <a:effectRef idx="2">
+              <a:schemeClr val="accent1"/>
+            </a:effectRef>
+            <a:fontRef idx="minor">
+              <a:schemeClr val="lt1"/>
+            </a:fontRef>
+          </p:style>
+        </p:sp>
+        <p:sp>
+          <p:nvSpPr>
+            <p:cNvPr id="19" name="Isosceles Triangle 18">
+              <a:extLst>
+                <a:ext uri="{FF2B5EF4-FFF2-40B4-BE49-F238E27FC236}">
+                  <a16:creationId xmlns:a16="http://schemas.microsoft.com/office/drawing/2014/main" id="{27A982C5-2C38-4CE9-BC18-94697AD657FB}"/>
+                </a:ext>
+                <a:ext uri="{C183D7F6-B498-43B3-948B-1728B52AA6E4}">
+                  <adec:decorative xmlns:adec="http://schemas.microsoft.com/office/drawing/2017/decorative" val="1"/>
+                </a:ext>
+              </a:extLst>
+            </p:cNvPr>
+            <p:cNvSpPr/>
+            <p:nvPr>
+              <p:extLst>
+                <p:ext uri="{386F3935-93C4-4BCD-93E2-E3B085C9AB24}">
+                  <p16:designElem xmlns:p16="http://schemas.microsoft.com/office/powerpoint/2015/main" val="1"/>
+                </p:ext>
+              </p:extLst>
+            </p:nvPr>
+          </p:nvSpPr>
+          <p:spPr>
+            <a:xfrm>
+              <a:off x="10371666" y="3589867"/>
+              <a:ext cx="1817159" cy="3268133"/>
+            </a:xfrm>
+            <a:prstGeom prst="triangle">
+              <a:avLst>
+                <a:gd name="adj" fmla="val 100000"/>
+              </a:avLst>
+            </a:prstGeom>
+            <a:solidFill>
+              <a:schemeClr val="accent1">
+                <a:alpha val="80000"/>
+              </a:schemeClr>
+            </a:solidFill>
+            <a:ln>
+              <a:noFill/>
+            </a:ln>
+            <a:effectLst/>
+          </p:spPr>
+          <p:style>
+            <a:lnRef idx="1">
+              <a:schemeClr val="accent1"/>
+            </a:lnRef>
+            <a:fillRef idx="3">
+              <a:schemeClr val="accent1"/>
+            </a:fillRef>
+            <a:effectRef idx="2">
+              <a:schemeClr val="accent1"/>
+            </a:effectRef>
+            <a:fontRef idx="minor">
+              <a:schemeClr val="lt1"/>
+            </a:fontRef>
+          </p:style>
+        </p:sp>
+        <p:sp>
+          <p:nvSpPr>
+            <p:cNvPr id="20" name="Isosceles Triangle 19">
+              <a:extLst>
+                <a:ext uri="{FF2B5EF4-FFF2-40B4-BE49-F238E27FC236}">
+                  <a16:creationId xmlns:a16="http://schemas.microsoft.com/office/drawing/2014/main" id="{0060D8D1-7BB1-498F-AFBB-ADAC130A9E90}"/>
+                </a:ext>
+                <a:ext uri="{C183D7F6-B498-43B3-948B-1728B52AA6E4}">
+                  <adec:decorative xmlns:adec="http://schemas.microsoft.com/office/drawing/2017/decorative" val="1"/>
+                </a:ext>
+              </a:extLst>
+            </p:cNvPr>
+            <p:cNvSpPr/>
+            <p:nvPr>
+              <p:extLst>
+                <p:ext uri="{386F3935-93C4-4BCD-93E2-E3B085C9AB24}">
+                  <p16:designElem xmlns:p16="http://schemas.microsoft.com/office/powerpoint/2015/main" val="1"/>
+                </p:ext>
+              </p:extLst>
+            </p:nvPr>
+          </p:nvSpPr>
+          <p:spPr>
+            <a:xfrm rot="10800000">
+              <a:off x="0" y="0"/>
+              <a:ext cx="842596" cy="5666154"/>
+            </a:xfrm>
+            <a:prstGeom prst="triangle">
+              <a:avLst>
+                <a:gd name="adj" fmla="val 100000"/>
+              </a:avLst>
+            </a:prstGeom>
+            <a:solidFill>
+              <a:schemeClr val="accent1">
+                <a:alpha val="85000"/>
+              </a:schemeClr>
+            </a:solidFill>
+            <a:ln>
+              <a:noFill/>
+            </a:ln>
+            <a:effectLst/>
+          </p:spPr>
+          <p:style>
+            <a:lnRef idx="1">
+              <a:schemeClr val="accent1"/>
+            </a:lnRef>
+            <a:fillRef idx="3">
+              <a:schemeClr val="accent1"/>
+            </a:fillRef>
+            <a:effectRef idx="2">
+              <a:schemeClr val="accent1"/>
+            </a:effectRef>
+            <a:fontRef idx="minor">
+              <a:schemeClr val="lt1"/>
+            </a:fontRef>
+          </p:style>
+        </p:sp>
+      </p:grpSp>
+      <p:sp>
+        <p:nvSpPr>
+          <p:cNvPr id="2" name="Title 1">
+            <a:extLst>
+              <a:ext uri="{FF2B5EF4-FFF2-40B4-BE49-F238E27FC236}">
+                <a16:creationId xmlns:a16="http://schemas.microsoft.com/office/drawing/2014/main" id="{655B69AF-CF01-4A59-BCC5-177F76AA6FA1}"/>
+              </a:ext>
+            </a:extLst>
+          </p:cNvPr>
+          <p:cNvSpPr>
+            <a:spLocks noGrp="1"/>
+          </p:cNvSpPr>
+          <p:nvPr>
+            <p:ph type="title"/>
+          </p:nvPr>
+        </p:nvSpPr>
+        <p:spPr>
+          <a:xfrm>
+            <a:off x="4974337" y="1265314"/>
+            <a:ext cx="4299666" cy="3249131"/>
+          </a:xfrm>
+        </p:spPr>
+        <p:txBody>
+          <a:bodyPr vert="horz" lIns="91440" tIns="45720" rIns="91440" bIns="45720" rtlCol="0" anchor="b">
+            <a:normAutofit/>
+          </a:bodyPr>
+          <a:lstStyle/>
+          <a:p>
+            <a:pPr>
+              <a:lnSpc>
+                <a:spcPct val="90000"/>
+              </a:lnSpc>
+            </a:pPr>
+            <a:r>
+              <a:rPr lang="en-US" sz="5000" kern="1200" dirty="0">
+                <a:solidFill>
+                  <a:schemeClr val="accent1"/>
+                </a:solidFill>
+                <a:latin typeface="+mj-lt"/>
+                <a:ea typeface="+mj-ea"/>
+                <a:cs typeface="+mj-cs"/>
+              </a:rPr>
+              <a:t>Chain Restaurant</a:t>
+            </a:r>
+            <a:br>
+              <a:rPr lang="en-US" sz="5000" kern="1200" dirty="0">
+                <a:solidFill>
+                  <a:schemeClr val="accent1"/>
+                </a:solidFill>
+                <a:latin typeface="+mj-lt"/>
+                <a:ea typeface="+mj-ea"/>
+                <a:cs typeface="+mj-cs"/>
+              </a:rPr>
+            </a:br>
+            <a:r>
+              <a:rPr lang="en-US" sz="5000" kern="1200" dirty="0">
+                <a:solidFill>
+                  <a:schemeClr val="accent1"/>
+                </a:solidFill>
+                <a:latin typeface="+mj-lt"/>
+                <a:ea typeface="+mj-ea"/>
+                <a:cs typeface="+mj-cs"/>
+              </a:rPr>
+              <a:t>Concentration </a:t>
+            </a:r>
+          </a:p>
+        </p:txBody>
+      </p:sp>
+      <p:sp>
+        <p:nvSpPr>
+          <p:cNvPr id="22" name="Isosceles Triangle 21">
+            <a:extLst>
+              <a:ext uri="{FF2B5EF4-FFF2-40B4-BE49-F238E27FC236}">
+                <a16:creationId xmlns:a16="http://schemas.microsoft.com/office/drawing/2014/main" id="{5A7802B6-FF37-40CF-A7E2-6F2A0D9A91EF}"/>
               </a:ext>
               <a:ext uri="{C183D7F6-B498-43B3-948B-1728B52AA6E4}">
                 <adec:decorative xmlns:adec="http://schemas.microsoft.com/office/drawing/2017/decorative" val="1"/>
@@ -10602,270 +12450,18 @@
           </p:nvPr>
         </p:nvSpPr>
         <p:spPr>
-          <a:xfrm>
-            <a:off x="0" y="0"/>
-            <a:ext cx="12192000" cy="6858000"/>
+          <a:xfrm rot="10800000">
+            <a:off x="3174" y="12700"/>
+            <a:ext cx="842596" cy="5666154"/>
           </a:xfrm>
-          <a:prstGeom prst="rect">
-            <a:avLst/>
+          <a:prstGeom prst="triangle">
+            <a:avLst>
+              <a:gd name="adj" fmla="val 100000"/>
+            </a:avLst>
           </a:prstGeom>
-          <a:ln>
-            <a:noFill/>
-          </a:ln>
-        </p:spPr>
-        <p:style>
-          <a:lnRef idx="2">
-            <a:schemeClr val="accent1">
-              <a:shade val="50000"/>
-            </a:schemeClr>
-          </a:lnRef>
-          <a:fillRef idx="1">
-            <a:schemeClr val="accent1"/>
-          </a:fillRef>
-          <a:effectRef idx="0">
-            <a:schemeClr val="accent1"/>
-          </a:effectRef>
-          <a:fontRef idx="minor">
-            <a:schemeClr val="lt1"/>
-          </a:fontRef>
-        </p:style>
-        <p:txBody>
-          <a:bodyPr rtlCol="0" anchor="ctr"/>
-          <a:lstStyle/>
-          <a:p>
-            <a:pPr algn="ctr"/>
-            <a:endParaRPr lang="en-US" dirty="0"/>
-          </a:p>
-        </p:txBody>
-      </p:sp>
-      <p:sp useBgFill="1">
-        <p:nvSpPr>
-          <p:cNvPr id="11" name="Rectangle 10">
-            <a:extLst>
-              <a:ext uri="{FF2B5EF4-FFF2-40B4-BE49-F238E27FC236}">
-                <a16:creationId xmlns:a16="http://schemas.microsoft.com/office/drawing/2014/main" id="{D6320AF9-619A-4175-865B-5663E1AEF4C5}"/>
-              </a:ext>
-              <a:ext uri="{C183D7F6-B498-43B3-948B-1728B52AA6E4}">
-                <adec:decorative xmlns:adec="http://schemas.microsoft.com/office/drawing/2017/decorative" val="1"/>
-              </a:ext>
-            </a:extLst>
-          </p:cNvPr>
-          <p:cNvSpPr>
-            <a:spLocks noGrp="1" noRot="1" noChangeAspect="1" noMove="1" noResize="1" noEditPoints="1" noAdjustHandles="1" noChangeArrowheads="1" noChangeShapeType="1" noTextEdit="1"/>
-          </p:cNvSpPr>
-          <p:nvPr>
-            <p:extLst>
-              <p:ext uri="{386F3935-93C4-4BCD-93E2-E3B085C9AB24}">
-                <p16:designElem xmlns:p16="http://schemas.microsoft.com/office/powerpoint/2015/main" val="1"/>
-              </p:ext>
-            </p:extLst>
-          </p:nvPr>
-        </p:nvSpPr>
-        <p:spPr>
-          <a:xfrm>
-            <a:off x="0" y="0"/>
-            <a:ext cx="12192000" cy="6858000"/>
-          </a:xfrm>
-          <a:prstGeom prst="rect">
-            <a:avLst/>
-          </a:prstGeom>
-          <a:ln>
-            <a:noFill/>
-          </a:ln>
-        </p:spPr>
-        <p:style>
-          <a:lnRef idx="2">
-            <a:schemeClr val="accent1">
-              <a:shade val="50000"/>
-            </a:schemeClr>
-          </a:lnRef>
-          <a:fillRef idx="1">
-            <a:schemeClr val="accent1"/>
-          </a:fillRef>
-          <a:effectRef idx="0">
-            <a:schemeClr val="accent1"/>
-          </a:effectRef>
-          <a:fontRef idx="minor">
-            <a:schemeClr val="lt1"/>
-          </a:fontRef>
-        </p:style>
-        <p:txBody>
-          <a:bodyPr rtlCol="0" anchor="ctr"/>
-          <a:lstStyle/>
-          <a:p>
-            <a:pPr algn="ctr"/>
-            <a:endParaRPr lang="en-US"/>
-          </a:p>
-        </p:txBody>
-      </p:sp>
-      <p:cxnSp>
-        <p:nvCxnSpPr>
-          <p:cNvPr id="13" name="Straight Connector 12">
-            <a:extLst>
-              <a:ext uri="{FF2B5EF4-FFF2-40B4-BE49-F238E27FC236}">
-                <a16:creationId xmlns:a16="http://schemas.microsoft.com/office/drawing/2014/main" id="{063B6EC6-D752-4EE7-908B-F8F19E8C7FEA}"/>
-              </a:ext>
-              <a:ext uri="{C183D7F6-B498-43B3-948B-1728B52AA6E4}">
-                <adec:decorative xmlns:adec="http://schemas.microsoft.com/office/drawing/2017/decorative" val="1"/>
-              </a:ext>
-            </a:extLst>
-          </p:cNvPr>
-          <p:cNvCxnSpPr>
-            <a:cxnSpLocks noGrp="1" noRot="1" noChangeAspect="1" noMove="1" noResize="1" noEditPoints="1" noAdjustHandles="1" noChangeArrowheads="1" noChangeShapeType="1"/>
-          </p:cNvCxnSpPr>
-          <p:nvPr>
-            <p:extLst>
-              <p:ext uri="{386F3935-93C4-4BCD-93E2-E3B085C9AB24}">
-                <p16:designElem xmlns:p16="http://schemas.microsoft.com/office/powerpoint/2015/main" val="1"/>
-              </p:ext>
-            </p:extLst>
-          </p:nvPr>
-        </p:nvCxnSpPr>
-        <p:spPr>
-          <a:xfrm>
-            <a:off x="5111313" y="0"/>
-            <a:ext cx="1219200" cy="6858000"/>
-          </a:xfrm>
-          <a:prstGeom prst="line">
-            <a:avLst/>
-          </a:prstGeom>
-          <a:ln w="9525">
-            <a:solidFill>
-              <a:schemeClr val="accent1">
-                <a:lumMod val="75000"/>
-              </a:schemeClr>
-            </a:solidFill>
-          </a:ln>
-        </p:spPr>
-        <p:style>
-          <a:lnRef idx="2">
-            <a:schemeClr val="accent1"/>
-          </a:lnRef>
-          <a:fillRef idx="0">
-            <a:schemeClr val="accent1"/>
-          </a:fillRef>
-          <a:effectRef idx="1">
-            <a:schemeClr val="accent1"/>
-          </a:effectRef>
-          <a:fontRef idx="minor">
-            <a:schemeClr val="tx1"/>
-          </a:fontRef>
-        </p:style>
-      </p:cxnSp>
-      <p:cxnSp>
-        <p:nvCxnSpPr>
-          <p:cNvPr id="15" name="Straight Connector 14">
-            <a:extLst>
-              <a:ext uri="{FF2B5EF4-FFF2-40B4-BE49-F238E27FC236}">
-                <a16:creationId xmlns:a16="http://schemas.microsoft.com/office/drawing/2014/main" id="{EFECD4E8-AD3E-4228-82A2-9461958EA94D}"/>
-              </a:ext>
-              <a:ext uri="{C183D7F6-B498-43B3-948B-1728B52AA6E4}">
-                <adec:decorative xmlns:adec="http://schemas.microsoft.com/office/drawing/2017/decorative" val="1"/>
-              </a:ext>
-            </a:extLst>
-          </p:cNvPr>
-          <p:cNvCxnSpPr>
-            <a:cxnSpLocks noGrp="1" noRot="1" noChangeAspect="1" noMove="1" noResize="1" noEditPoints="1" noAdjustHandles="1" noChangeArrowheads="1" noChangeShapeType="1"/>
-          </p:cNvCxnSpPr>
-          <p:nvPr>
-            <p:extLst>
-              <p:ext uri="{386F3935-93C4-4BCD-93E2-E3B085C9AB24}">
-                <p16:designElem xmlns:p16="http://schemas.microsoft.com/office/powerpoint/2015/main" val="1"/>
-              </p:ext>
-            </p:extLst>
-          </p:nvPr>
-        </p:nvCxnSpPr>
-        <p:spPr>
-          <a:xfrm flipH="1">
-            <a:off x="3290979" y="3681413"/>
-            <a:ext cx="4763558" cy="3176587"/>
-          </a:xfrm>
-          <a:prstGeom prst="line">
-            <a:avLst/>
-          </a:prstGeom>
-          <a:ln w="9525">
-            <a:solidFill>
-              <a:schemeClr val="tx1">
-                <a:lumMod val="50000"/>
-                <a:lumOff val="50000"/>
-                <a:alpha val="80000"/>
-              </a:schemeClr>
-            </a:solidFill>
-          </a:ln>
-        </p:spPr>
-        <p:style>
-          <a:lnRef idx="2">
-            <a:schemeClr val="accent1"/>
-          </a:lnRef>
-          <a:fillRef idx="0">
-            <a:schemeClr val="accent1"/>
-          </a:fillRef>
-          <a:effectRef idx="1">
-            <a:schemeClr val="accent1"/>
-          </a:effectRef>
-          <a:fontRef idx="minor">
-            <a:schemeClr val="tx1"/>
-          </a:fontRef>
-        </p:style>
-      </p:cxnSp>
-      <p:sp>
-        <p:nvSpPr>
-          <p:cNvPr id="17" name="Rectangle 23">
-            <a:extLst>
-              <a:ext uri="{FF2B5EF4-FFF2-40B4-BE49-F238E27FC236}">
-                <a16:creationId xmlns:a16="http://schemas.microsoft.com/office/drawing/2014/main" id="{7E018740-5C2B-4A41-AC1A-7E68D1EC1954}"/>
-              </a:ext>
-              <a:ext uri="{C183D7F6-B498-43B3-948B-1728B52AA6E4}">
-                <adec:decorative xmlns:adec="http://schemas.microsoft.com/office/drawing/2017/decorative" val="1"/>
-              </a:ext>
-            </a:extLst>
-          </p:cNvPr>
-          <p:cNvSpPr>
-            <a:spLocks noGrp="1" noRot="1" noChangeAspect="1" noMove="1" noResize="1" noEditPoints="1" noAdjustHandles="1" noChangeArrowheads="1" noChangeShapeType="1" noTextEdit="1"/>
-          </p:cNvSpPr>
-          <p:nvPr>
-            <p:extLst>
-              <p:ext uri="{386F3935-93C4-4BCD-93E2-E3B085C9AB24}">
-                <p16:designElem xmlns:p16="http://schemas.microsoft.com/office/powerpoint/2015/main" val="1"/>
-              </p:ext>
-            </p:extLst>
-          </p:nvPr>
-        </p:nvSpPr>
-        <p:spPr>
-          <a:xfrm>
-            <a:off x="4482568" y="-8467"/>
-            <a:ext cx="3007349" cy="6866467"/>
-          </a:xfrm>
-          <a:custGeom>
-            <a:avLst/>
-            <a:gdLst/>
-            <a:ahLst/>
-            <a:cxnLst/>
-            <a:rect l="l" t="t" r="r" b="b"/>
-            <a:pathLst>
-              <a:path w="3007349" h="6866467">
-                <a:moveTo>
-                  <a:pt x="2045532" y="0"/>
-                </a:moveTo>
-                <a:lnTo>
-                  <a:pt x="3007349" y="0"/>
-                </a:lnTo>
-                <a:lnTo>
-                  <a:pt x="3007349" y="6866467"/>
-                </a:lnTo>
-                <a:lnTo>
-                  <a:pt x="0" y="6866467"/>
-                </a:lnTo>
-                <a:lnTo>
-                  <a:pt x="2045532" y="0"/>
-                </a:lnTo>
-                <a:close/>
-              </a:path>
-            </a:pathLst>
-          </a:custGeom>
           <a:solidFill>
             <a:schemeClr val="accent1">
-              <a:alpha val="30000"/>
+              <a:alpha val="85000"/>
             </a:schemeClr>
           </a:solidFill>
           <a:ln>
@@ -10888,462 +12484,12 @@
           </a:fontRef>
         </p:style>
       </p:sp>
-      <p:sp>
-        <p:nvSpPr>
-          <p:cNvPr id="19" name="Rectangle 25">
+      <p:pic>
+        <p:nvPicPr>
+          <p:cNvPr id="5" name="Picture 4" descr="A screenshot of a cell phone&#10;&#10;Description automatically generated">
             <a:extLst>
               <a:ext uri="{FF2B5EF4-FFF2-40B4-BE49-F238E27FC236}">
-                <a16:creationId xmlns:a16="http://schemas.microsoft.com/office/drawing/2014/main" id="{166F75A4-C475-4941-8EE2-B80A06A2C1BB}"/>
-              </a:ext>
-              <a:ext uri="{C183D7F6-B498-43B3-948B-1728B52AA6E4}">
-                <adec:decorative xmlns:adec="http://schemas.microsoft.com/office/drawing/2017/decorative" val="1"/>
-              </a:ext>
-            </a:extLst>
-          </p:cNvPr>
-          <p:cNvSpPr>
-            <a:spLocks noGrp="1" noRot="1" noChangeAspect="1" noMove="1" noResize="1" noEditPoints="1" noAdjustHandles="1" noChangeArrowheads="1" noChangeShapeType="1" noTextEdit="1"/>
-          </p:cNvSpPr>
-          <p:nvPr>
-            <p:extLst>
-              <p:ext uri="{386F3935-93C4-4BCD-93E2-E3B085C9AB24}">
-                <p16:designElem xmlns:p16="http://schemas.microsoft.com/office/powerpoint/2015/main" val="1"/>
-              </p:ext>
-            </p:extLst>
-          </p:nvPr>
-        </p:nvSpPr>
-        <p:spPr>
-          <a:xfrm>
-            <a:off x="4904534" y="-8467"/>
-            <a:ext cx="2588558" cy="6866467"/>
-          </a:xfrm>
-          <a:custGeom>
-            <a:avLst/>
-            <a:gdLst/>
-            <a:ahLst/>
-            <a:cxnLst/>
-            <a:rect l="l" t="t" r="r" b="b"/>
-            <a:pathLst>
-              <a:path w="2573311" h="6866467">
-                <a:moveTo>
-                  <a:pt x="0" y="0"/>
-                </a:moveTo>
-                <a:lnTo>
-                  <a:pt x="2573311" y="0"/>
-                </a:lnTo>
-                <a:lnTo>
-                  <a:pt x="2573311" y="6866467"/>
-                </a:lnTo>
-                <a:lnTo>
-                  <a:pt x="1202336" y="6866467"/>
-                </a:lnTo>
-                <a:lnTo>
-                  <a:pt x="0" y="0"/>
-                </a:lnTo>
-                <a:close/>
-              </a:path>
-            </a:pathLst>
-          </a:custGeom>
-          <a:solidFill>
-            <a:schemeClr val="accent1">
-              <a:alpha val="20000"/>
-            </a:schemeClr>
-          </a:solidFill>
-          <a:ln>
-            <a:noFill/>
-          </a:ln>
-          <a:effectLst/>
-        </p:spPr>
-        <p:style>
-          <a:lnRef idx="1">
-            <a:schemeClr val="accent1"/>
-          </a:lnRef>
-          <a:fillRef idx="3">
-            <a:schemeClr val="accent1"/>
-          </a:fillRef>
-          <a:effectRef idx="2">
-            <a:schemeClr val="accent1"/>
-          </a:effectRef>
-          <a:fontRef idx="minor">
-            <a:schemeClr val="lt1"/>
-          </a:fontRef>
-        </p:style>
-      </p:sp>
-      <p:sp>
-        <p:nvSpPr>
-          <p:cNvPr id="21" name="Isosceles Triangle 20">
-            <a:extLst>
-              <a:ext uri="{FF2B5EF4-FFF2-40B4-BE49-F238E27FC236}">
-                <a16:creationId xmlns:a16="http://schemas.microsoft.com/office/drawing/2014/main" id="{A032553A-72E8-4B0D-8405-FF9771C9AF05}"/>
-              </a:ext>
-              <a:ext uri="{C183D7F6-B498-43B3-948B-1728B52AA6E4}">
-                <adec:decorative xmlns:adec="http://schemas.microsoft.com/office/drawing/2017/decorative" val="1"/>
-              </a:ext>
-            </a:extLst>
-          </p:cNvPr>
-          <p:cNvSpPr>
-            <a:spLocks noGrp="1" noRot="1" noChangeAspect="1" noMove="1" noResize="1" noEditPoints="1" noAdjustHandles="1" noChangeArrowheads="1" noChangeShapeType="1" noTextEdit="1"/>
-          </p:cNvSpPr>
-          <p:nvPr>
-            <p:extLst>
-              <p:ext uri="{386F3935-93C4-4BCD-93E2-E3B085C9AB24}">
-                <p16:designElem xmlns:p16="http://schemas.microsoft.com/office/powerpoint/2015/main" val="1"/>
-              </p:ext>
-            </p:extLst>
-          </p:nvPr>
-        </p:nvSpPr>
-        <p:spPr>
-          <a:xfrm>
-            <a:off x="4233425" y="3048000"/>
-            <a:ext cx="3259667" cy="3810000"/>
-          </a:xfrm>
-          <a:prstGeom prst="triangle">
-            <a:avLst>
-              <a:gd name="adj" fmla="val 100000"/>
-            </a:avLst>
-          </a:prstGeom>
-          <a:solidFill>
-            <a:schemeClr val="accent2">
-              <a:alpha val="72000"/>
-            </a:schemeClr>
-          </a:solidFill>
-          <a:ln>
-            <a:noFill/>
-          </a:ln>
-          <a:effectLst/>
-        </p:spPr>
-        <p:style>
-          <a:lnRef idx="1">
-            <a:schemeClr val="accent1"/>
-          </a:lnRef>
-          <a:fillRef idx="3">
-            <a:schemeClr val="accent1"/>
-          </a:fillRef>
-          <a:effectRef idx="2">
-            <a:schemeClr val="accent1"/>
-          </a:effectRef>
-          <a:fontRef idx="minor">
-            <a:schemeClr val="lt1"/>
-          </a:fontRef>
-        </p:style>
-      </p:sp>
-      <p:sp>
-        <p:nvSpPr>
-          <p:cNvPr id="23" name="Rectangle 27">
-            <a:extLst>
-              <a:ext uri="{FF2B5EF4-FFF2-40B4-BE49-F238E27FC236}">
-                <a16:creationId xmlns:a16="http://schemas.microsoft.com/office/drawing/2014/main" id="{765800AC-C3B9-498E-87BC-29FAE4C76B21}"/>
-              </a:ext>
-              <a:ext uri="{C183D7F6-B498-43B3-948B-1728B52AA6E4}">
-                <adec:decorative xmlns:adec="http://schemas.microsoft.com/office/drawing/2017/decorative" val="1"/>
-              </a:ext>
-            </a:extLst>
-          </p:cNvPr>
-          <p:cNvSpPr>
-            <a:spLocks noGrp="1" noRot="1" noChangeAspect="1" noMove="1" noResize="1" noEditPoints="1" noAdjustHandles="1" noChangeArrowheads="1" noChangeShapeType="1" noTextEdit="1"/>
-          </p:cNvSpPr>
-          <p:nvPr>
-            <p:extLst>
-              <p:ext uri="{386F3935-93C4-4BCD-93E2-E3B085C9AB24}">
-                <p16:designElem xmlns:p16="http://schemas.microsoft.com/office/powerpoint/2015/main" val="1"/>
-              </p:ext>
-            </p:extLst>
-          </p:nvPr>
-        </p:nvSpPr>
-        <p:spPr>
-          <a:xfrm>
-            <a:off x="4635592" y="-8467"/>
-            <a:ext cx="2854326" cy="6866467"/>
-          </a:xfrm>
-          <a:custGeom>
-            <a:avLst/>
-            <a:gdLst/>
-            <a:ahLst/>
-            <a:cxnLst/>
-            <a:rect l="l" t="t" r="r" b="b"/>
-            <a:pathLst>
-              <a:path w="2858013" h="6866467">
-                <a:moveTo>
-                  <a:pt x="0" y="0"/>
-                </a:moveTo>
-                <a:lnTo>
-                  <a:pt x="2858013" y="0"/>
-                </a:lnTo>
-                <a:lnTo>
-                  <a:pt x="2858013" y="6866467"/>
-                </a:lnTo>
-                <a:lnTo>
-                  <a:pt x="2473942" y="6866467"/>
-                </a:lnTo>
-                <a:lnTo>
-                  <a:pt x="0" y="0"/>
-                </a:lnTo>
-                <a:close/>
-              </a:path>
-            </a:pathLst>
-          </a:custGeom>
-          <a:solidFill>
-            <a:schemeClr val="accent2">
-              <a:lumMod val="75000"/>
-              <a:alpha val="70000"/>
-            </a:schemeClr>
-          </a:solidFill>
-          <a:ln>
-            <a:noFill/>
-          </a:ln>
-          <a:effectLst/>
-        </p:spPr>
-        <p:style>
-          <a:lnRef idx="1">
-            <a:schemeClr val="accent1"/>
-          </a:lnRef>
-          <a:fillRef idx="3">
-            <a:schemeClr val="accent1"/>
-          </a:fillRef>
-          <a:effectRef idx="2">
-            <a:schemeClr val="accent1"/>
-          </a:effectRef>
-          <a:fontRef idx="minor">
-            <a:schemeClr val="lt1"/>
-          </a:fontRef>
-        </p:style>
-      </p:sp>
-      <p:sp>
-        <p:nvSpPr>
-          <p:cNvPr id="25" name="Isosceles Triangle 24">
-            <a:extLst>
-              <a:ext uri="{FF2B5EF4-FFF2-40B4-BE49-F238E27FC236}">
-                <a16:creationId xmlns:a16="http://schemas.microsoft.com/office/drawing/2014/main" id="{1F9D6ACB-2FF4-49F9-978A-E0D5327FC635}"/>
-              </a:ext>
-              <a:ext uri="{C183D7F6-B498-43B3-948B-1728B52AA6E4}">
-                <adec:decorative xmlns:adec="http://schemas.microsoft.com/office/drawing/2017/decorative" val="1"/>
-              </a:ext>
-            </a:extLst>
-          </p:cNvPr>
-          <p:cNvSpPr>
-            <a:spLocks noGrp="1" noRot="1" noChangeAspect="1" noMove="1" noResize="1" noEditPoints="1" noAdjustHandles="1" noChangeArrowheads="1" noChangeShapeType="1" noTextEdit="1"/>
-          </p:cNvSpPr>
-          <p:nvPr>
-            <p:extLst>
-              <p:ext uri="{386F3935-93C4-4BCD-93E2-E3B085C9AB24}">
-                <p16:designElem xmlns:p16="http://schemas.microsoft.com/office/powerpoint/2015/main" val="1"/>
-              </p:ext>
-            </p:extLst>
-          </p:nvPr>
-        </p:nvSpPr>
-        <p:spPr>
-          <a:xfrm>
-            <a:off x="5672758" y="3589867"/>
-            <a:ext cx="1817159" cy="3268133"/>
-          </a:xfrm>
-          <a:prstGeom prst="triangle">
-            <a:avLst>
-              <a:gd name="adj" fmla="val 100000"/>
-            </a:avLst>
-          </a:prstGeom>
-          <a:solidFill>
-            <a:schemeClr val="accent1">
-              <a:alpha val="80000"/>
-            </a:schemeClr>
-          </a:solidFill>
-          <a:ln>
-            <a:noFill/>
-          </a:ln>
-          <a:effectLst/>
-        </p:spPr>
-        <p:style>
-          <a:lnRef idx="1">
-            <a:schemeClr val="accent1"/>
-          </a:lnRef>
-          <a:fillRef idx="3">
-            <a:schemeClr val="accent1"/>
-          </a:fillRef>
-          <a:effectRef idx="2">
-            <a:schemeClr val="accent1"/>
-          </a:effectRef>
-          <a:fontRef idx="minor">
-            <a:schemeClr val="lt1"/>
-          </a:fontRef>
-        </p:style>
-      </p:sp>
-      <p:sp>
-        <p:nvSpPr>
-          <p:cNvPr id="27" name="Freeform: Shape 26">
-            <a:extLst>
-              <a:ext uri="{FF2B5EF4-FFF2-40B4-BE49-F238E27FC236}">
-                <a16:creationId xmlns:a16="http://schemas.microsoft.com/office/drawing/2014/main" id="{A5EC319D-0FEA-4B95-A3EA-01E35672C95B}"/>
-              </a:ext>
-              <a:ext uri="{C183D7F6-B498-43B3-948B-1728B52AA6E4}">
-                <adec:decorative xmlns:adec="http://schemas.microsoft.com/office/drawing/2017/decorative" val="1"/>
-              </a:ext>
-            </a:extLst>
-          </p:cNvPr>
-          <p:cNvSpPr>
-            <a:spLocks noGrp="1" noRot="1" noChangeAspect="1" noMove="1" noResize="1" noEditPoints="1" noAdjustHandles="1" noChangeArrowheads="1" noChangeShapeType="1" noTextEdit="1"/>
-          </p:cNvSpPr>
-          <p:nvPr>
-            <p:extLst>
-              <p:ext uri="{386F3935-93C4-4BCD-93E2-E3B085C9AB24}">
-                <p16:designElem xmlns:p16="http://schemas.microsoft.com/office/powerpoint/2015/main" val="1"/>
-              </p:ext>
-            </p:extLst>
-          </p:nvPr>
-        </p:nvSpPr>
-        <p:spPr>
-          <a:xfrm>
-            <a:off x="6197631" y="-8467"/>
-            <a:ext cx="5994369" cy="6866467"/>
-          </a:xfrm>
-          <a:custGeom>
-            <a:avLst/>
-            <a:gdLst>
-              <a:gd name="connsiteX0" fmla="*/ 0 w 5994369"/>
-              <a:gd name="connsiteY0" fmla="*/ 0 h 6866467"/>
-              <a:gd name="connsiteX1" fmla="*/ 1249825 w 5994369"/>
-              <a:gd name="connsiteY1" fmla="*/ 0 h 6866467"/>
-              <a:gd name="connsiteX2" fmla="*/ 1249825 w 5994369"/>
-              <a:gd name="connsiteY2" fmla="*/ 8467 h 6866467"/>
-              <a:gd name="connsiteX3" fmla="*/ 5994369 w 5994369"/>
-              <a:gd name="connsiteY3" fmla="*/ 8467 h 6866467"/>
-              <a:gd name="connsiteX4" fmla="*/ 5994369 w 5994369"/>
-              <a:gd name="connsiteY4" fmla="*/ 6866467 h 6866467"/>
-              <a:gd name="connsiteX5" fmla="*/ 1249825 w 5994369"/>
-              <a:gd name="connsiteY5" fmla="*/ 6866467 h 6866467"/>
-              <a:gd name="connsiteX6" fmla="*/ 1109382 w 5994369"/>
-              <a:gd name="connsiteY6" fmla="*/ 6866467 h 6866467"/>
-            </a:gdLst>
-            <a:ahLst/>
-            <a:cxnLst>
-              <a:cxn ang="0">
-                <a:pos x="connsiteX0" y="connsiteY0"/>
-              </a:cxn>
-              <a:cxn ang="0">
-                <a:pos x="connsiteX1" y="connsiteY1"/>
-              </a:cxn>
-              <a:cxn ang="0">
-                <a:pos x="connsiteX2" y="connsiteY2"/>
-              </a:cxn>
-              <a:cxn ang="0">
-                <a:pos x="connsiteX3" y="connsiteY3"/>
-              </a:cxn>
-              <a:cxn ang="0">
-                <a:pos x="connsiteX4" y="connsiteY4"/>
-              </a:cxn>
-              <a:cxn ang="0">
-                <a:pos x="connsiteX5" y="connsiteY5"/>
-              </a:cxn>
-              <a:cxn ang="0">
-                <a:pos x="connsiteX6" y="connsiteY6"/>
-              </a:cxn>
-            </a:cxnLst>
-            <a:rect l="l" t="t" r="r" b="b"/>
-            <a:pathLst>
-              <a:path w="5994369" h="6866467">
-                <a:moveTo>
-                  <a:pt x="0" y="0"/>
-                </a:moveTo>
-                <a:lnTo>
-                  <a:pt x="1249825" y="0"/>
-                </a:lnTo>
-                <a:lnTo>
-                  <a:pt x="1249825" y="8467"/>
-                </a:lnTo>
-                <a:lnTo>
-                  <a:pt x="5994369" y="8467"/>
-                </a:lnTo>
-                <a:lnTo>
-                  <a:pt x="5994369" y="6866467"/>
-                </a:lnTo>
-                <a:lnTo>
-                  <a:pt x="1249825" y="6866467"/>
-                </a:lnTo>
-                <a:lnTo>
-                  <a:pt x="1109382" y="6866467"/>
-                </a:lnTo>
-                <a:close/>
-              </a:path>
-            </a:pathLst>
-          </a:custGeom>
-          <a:solidFill>
-            <a:schemeClr val="accent2">
-              <a:lumMod val="75000"/>
-            </a:schemeClr>
-          </a:solidFill>
-          <a:ln>
-            <a:noFill/>
-          </a:ln>
-        </p:spPr>
-        <p:style>
-          <a:lnRef idx="2">
-            <a:schemeClr val="accent1">
-              <a:shade val="50000"/>
-            </a:schemeClr>
-          </a:lnRef>
-          <a:fillRef idx="1">
-            <a:schemeClr val="accent1"/>
-          </a:fillRef>
-          <a:effectRef idx="0">
-            <a:schemeClr val="accent1"/>
-          </a:effectRef>
-          <a:fontRef idx="minor">
-            <a:schemeClr val="lt1"/>
-          </a:fontRef>
-        </p:style>
-        <p:txBody>
-          <a:bodyPr wrap="square" rtlCol="0" anchor="ctr">
-            <a:noAutofit/>
-          </a:bodyPr>
-          <a:lstStyle/>
-          <a:p>
-            <a:pPr algn="ctr"/>
-            <a:endParaRPr lang="en-US"/>
-          </a:p>
-        </p:txBody>
-      </p:sp>
-      <p:sp>
-        <p:nvSpPr>
-          <p:cNvPr id="2" name="Title 1">
-            <a:extLst>
-              <a:ext uri="{FF2B5EF4-FFF2-40B4-BE49-F238E27FC236}">
-                <a16:creationId xmlns:a16="http://schemas.microsoft.com/office/drawing/2014/main" id="{AA42C78A-B6BC-4CC0-99C3-540AA5952754}"/>
-              </a:ext>
-            </a:extLst>
-          </p:cNvPr>
-          <p:cNvSpPr>
-            <a:spLocks noGrp="1"/>
-          </p:cNvSpPr>
-          <p:nvPr>
-            <p:ph type="title"/>
-          </p:nvPr>
-        </p:nvSpPr>
-        <p:spPr>
-          <a:xfrm>
-            <a:off x="7181723" y="609600"/>
-            <a:ext cx="4512989" cy="2227730"/>
-          </a:xfrm>
-        </p:spPr>
-        <p:txBody>
-          <a:bodyPr anchor="ctr">
-            <a:normAutofit/>
-          </a:bodyPr>
-          <a:lstStyle/>
-          <a:p>
-            <a:r>
-              <a:rPr lang="en-US">
-                <a:solidFill>
-                  <a:srgbClr val="FFFFFF"/>
-                </a:solidFill>
-              </a:rPr>
-              <a:t>Cities without All 20 Cuisines</a:t>
-            </a:r>
-          </a:p>
-        </p:txBody>
-      </p:sp>
-      <p:pic>
-        <p:nvPicPr>
-          <p:cNvPr id="4" name="Picture 3">
-            <a:extLst>
-              <a:ext uri="{FF2B5EF4-FFF2-40B4-BE49-F238E27FC236}">
-                <a16:creationId xmlns:a16="http://schemas.microsoft.com/office/drawing/2014/main" id="{CD2B4FE3-9A77-48E7-898C-9C0B44CD6856}"/>
+                <a16:creationId xmlns:a16="http://schemas.microsoft.com/office/drawing/2014/main" id="{8EC345B1-AC14-4F70-8A43-BE9E818293C5}"/>
               </a:ext>
             </a:extLst>
           </p:cNvPr>
@@ -11353,15 +12499,21 @@
           <p:nvPr/>
         </p:nvPicPr>
         <p:blipFill>
-          <a:blip r:embed="rId2"/>
+          <a:blip r:embed="rId2">
+            <a:extLst>
+              <a:ext uri="{28A0092B-C50C-407E-A947-70E740481C1C}">
+                <a14:useLocalDpi xmlns:a14="http://schemas.microsoft.com/office/drawing/2010/main" val="0"/>
+              </a:ext>
+            </a:extLst>
+          </a:blip>
           <a:stretch>
             <a:fillRect/>
           </a:stretch>
         </p:blipFill>
         <p:spPr>
           <a:xfrm>
-            <a:off x="1334878" y="1168399"/>
-            <a:ext cx="2701519" cy="4610101"/>
+            <a:off x="1375548" y="417852"/>
+            <a:ext cx="2713814" cy="5713294"/>
           </a:xfrm>
           <a:prstGeom prst="rect">
             <a:avLst/>
@@ -11370,10 +12522,10 @@
       </p:pic>
       <p:sp>
         <p:nvSpPr>
-          <p:cNvPr id="3" name="Content Placeholder 2">
+          <p:cNvPr id="3" name="Slide Number Placeholder 2">
             <a:extLst>
               <a:ext uri="{FF2B5EF4-FFF2-40B4-BE49-F238E27FC236}">
-                <a16:creationId xmlns:a16="http://schemas.microsoft.com/office/drawing/2014/main" id="{12EE82EE-ACF4-49BD-94C9-13F7845336E6}"/>
+                <a16:creationId xmlns:a16="http://schemas.microsoft.com/office/drawing/2014/main" id="{480DEC69-D1DE-4CC7-9ECC-9641AA3BEFCD}"/>
               </a:ext>
             </a:extLst>
           </p:cNvPr>
@@ -11381,33 +12533,43 @@
             <a:spLocks noGrp="1"/>
           </p:cNvSpPr>
           <p:nvPr>
-            <p:ph idx="1"/>
+            <p:ph type="sldNum" sz="quarter" idx="12"/>
           </p:nvPr>
         </p:nvSpPr>
         <p:spPr>
           <a:xfrm>
-            <a:off x="7181725" y="2837329"/>
-            <a:ext cx="4512988" cy="3317938"/>
+            <a:off x="8590663" y="6041362"/>
+            <a:ext cx="683339" cy="365125"/>
           </a:xfrm>
         </p:spPr>
         <p:txBody>
-          <a:bodyPr anchor="t">
+          <a:bodyPr vert="horz" lIns="91440" tIns="45720" rIns="91440" bIns="45720" rtlCol="0" anchor="ctr">
             <a:normAutofit/>
           </a:bodyPr>
           <a:lstStyle/>
           <a:p>
-            <a:endParaRPr lang="en-US">
-              <a:solidFill>
-                <a:srgbClr val="FFFFFF"/>
-              </a:solidFill>
-            </a:endParaRPr>
+            <a:pPr defTabSz="914400">
+              <a:spcAft>
+                <a:spcPts val="600"/>
+              </a:spcAft>
+            </a:pPr>
+            <a:fld id="{32B7E4A0-4EE4-406C-A5BD-11B20B5D31CC}" type="slidenum">
+              <a:rPr lang="en-US" smtClean="0"/>
+              <a:pPr defTabSz="914400">
+                <a:spcAft>
+                  <a:spcPts val="600"/>
+                </a:spcAft>
+              </a:pPr>
+              <a:t>24</a:t>
+            </a:fld>
+            <a:endParaRPr lang="en-US"/>
           </a:p>
         </p:txBody>
       </p:sp>
     </p:spTree>
     <p:extLst>
       <p:ext uri="{BB962C8B-B14F-4D97-AF65-F5344CB8AC3E}">
-        <p14:creationId xmlns:p14="http://schemas.microsoft.com/office/powerpoint/2010/main" val="1953648151"/>
+        <p14:creationId xmlns:p14="http://schemas.microsoft.com/office/powerpoint/2010/main" val="1035841182"/>
       </p:ext>
     </p:extLst>
   </p:cSld>
@@ -11417,7 +12579,7 @@
 </p:sld>
 </file>
 
-<file path=ppt/slides/slide24.xml><?xml version="1.0" encoding="utf-8"?>
+<file path=ppt/slides/slide25.xml><?xml version="1.0" encoding="utf-8"?>
 <p:sld xmlns:a="http://schemas.openxmlformats.org/drawingml/2006/main" xmlns:r="http://schemas.openxmlformats.org/officeDocument/2006/relationships" xmlns:p="http://schemas.openxmlformats.org/presentationml/2006/main">
   <p:cSld>
     <p:spTree>
@@ -11492,14 +12654,14 @@
             <a:pPr lvl="1"/>
             <a:r>
               <a:rPr lang="en-US" dirty="0"/>
-              <a:t>Based on the different takes when focused on Alabama. </a:t>
+              <a:t>Based on the reviewing different states, like the Alabama example. </a:t>
             </a:r>
           </a:p>
           <a:p>
             <a:pPr lvl="1"/>
             <a:r>
               <a:rPr lang="en-US" dirty="0"/>
-              <a:t>Hypothesized that larger review count can correlate to higher reviews</a:t>
+              <a:t>Hypothesized that larger review count can correlate to higher ratings</a:t>
             </a:r>
           </a:p>
           <a:p>
@@ -11525,7 +12687,7 @@
           <a:p>
             <a:r>
               <a:rPr lang="en-US" dirty="0"/>
-              <a:t>Not all cities have all of the 20 cuisines in our test, shocker for review of our capitals.</a:t>
+              <a:t>Not all cities have all the 20 cuisines in our test, shocker for review of our capitals.</a:t>
             </a:r>
           </a:p>
           <a:p>
@@ -11533,6 +12695,35 @@
           </a:p>
           <a:p>
             <a:endParaRPr lang="en-US" dirty="0"/>
+          </a:p>
+        </p:txBody>
+      </p:sp>
+      <p:sp>
+        <p:nvSpPr>
+          <p:cNvPr id="4" name="Slide Number Placeholder 3">
+            <a:extLst>
+              <a:ext uri="{FF2B5EF4-FFF2-40B4-BE49-F238E27FC236}">
+                <a16:creationId xmlns:a16="http://schemas.microsoft.com/office/drawing/2014/main" id="{B3DC4B03-4D5C-4299-BC40-2D1E56F4ECF2}"/>
+              </a:ext>
+            </a:extLst>
+          </p:cNvPr>
+          <p:cNvSpPr>
+            <a:spLocks noGrp="1"/>
+          </p:cNvSpPr>
+          <p:nvPr>
+            <p:ph type="sldNum" sz="quarter" idx="12"/>
+          </p:nvPr>
+        </p:nvSpPr>
+        <p:spPr/>
+        <p:txBody>
+          <a:bodyPr/>
+          <a:lstStyle/>
+          <a:p>
+            <a:fld id="{32B7E4A0-4EE4-406C-A5BD-11B20B5D31CC}" type="slidenum">
+              <a:rPr lang="en-US" smtClean="0"/>
+              <a:t>25</a:t>
+            </a:fld>
+            <a:endParaRPr lang="en-US"/>
           </a:p>
         </p:txBody>
       </p:sp>
@@ -11549,7 +12740,7 @@
 </p:sld>
 </file>
 
-<file path=ppt/slides/slide25.xml><?xml version="1.0" encoding="utf-8"?>
+<file path=ppt/slides/slide26.xml><?xml version="1.0" encoding="utf-8"?>
 <p:sld xmlns:a="http://schemas.openxmlformats.org/drawingml/2006/main" xmlns:r="http://schemas.openxmlformats.org/officeDocument/2006/relationships" xmlns:p="http://schemas.openxmlformats.org/presentationml/2006/main">
   <p:cSld>
     <p:bg>
@@ -12997,6 +14188,35 @@
           </a:p>
         </p:txBody>
       </p:sp>
+      <p:sp>
+        <p:nvSpPr>
+          <p:cNvPr id="3" name="Slide Number Placeholder 2">
+            <a:extLst>
+              <a:ext uri="{FF2B5EF4-FFF2-40B4-BE49-F238E27FC236}">
+                <a16:creationId xmlns:a16="http://schemas.microsoft.com/office/drawing/2014/main" id="{9E06B292-C494-40C8-A9A2-99FEABD4F005}"/>
+              </a:ext>
+            </a:extLst>
+          </p:cNvPr>
+          <p:cNvSpPr>
+            <a:spLocks noGrp="1"/>
+          </p:cNvSpPr>
+          <p:nvPr>
+            <p:ph type="sldNum" sz="quarter" idx="12"/>
+          </p:nvPr>
+        </p:nvSpPr>
+        <p:spPr/>
+        <p:txBody>
+          <a:bodyPr/>
+          <a:lstStyle/>
+          <a:p>
+            <a:fld id="{32B7E4A0-4EE4-406C-A5BD-11B20B5D31CC}" type="slidenum">
+              <a:rPr lang="en-US" smtClean="0"/>
+              <a:t>26</a:t>
+            </a:fld>
+            <a:endParaRPr lang="en-US"/>
+          </a:p>
+        </p:txBody>
+      </p:sp>
     </p:spTree>
     <p:extLst>
       <p:ext uri="{BB962C8B-B14F-4D97-AF65-F5344CB8AC3E}">
@@ -13112,7 +14332,7 @@
           <a:p>
             <a:r>
               <a:rPr lang="en-US" dirty="0"/>
-              <a:t>We had to look for Alternative</a:t>
+              <a:t>We had to look for an Alternative</a:t>
             </a:r>
           </a:p>
         </p:txBody>
@@ -13228,6 +14448,35 @@
           <a:p>
             <a:pPr lvl="1"/>
             <a:endParaRPr lang="en-US" dirty="0"/>
+          </a:p>
+        </p:txBody>
+      </p:sp>
+      <p:sp>
+        <p:nvSpPr>
+          <p:cNvPr id="4" name="Slide Number Placeholder 3">
+            <a:extLst>
+              <a:ext uri="{FF2B5EF4-FFF2-40B4-BE49-F238E27FC236}">
+                <a16:creationId xmlns:a16="http://schemas.microsoft.com/office/drawing/2014/main" id="{4FC51BC5-B90F-4DD2-AC4A-A0422E0C5519}"/>
+              </a:ext>
+            </a:extLst>
+          </p:cNvPr>
+          <p:cNvSpPr>
+            <a:spLocks noGrp="1"/>
+          </p:cNvSpPr>
+          <p:nvPr>
+            <p:ph type="sldNum" sz="quarter" idx="12"/>
+          </p:nvPr>
+        </p:nvSpPr>
+        <p:spPr/>
+        <p:txBody>
+          <a:bodyPr/>
+          <a:lstStyle/>
+          <a:p>
+            <a:fld id="{32B7E4A0-4EE4-406C-A5BD-11B20B5D31CC}" type="slidenum">
+              <a:rPr lang="en-US" smtClean="0"/>
+              <a:t>3</a:t>
+            </a:fld>
+            <a:endParaRPr lang="en-US"/>
           </a:p>
         </p:txBody>
       </p:sp>
@@ -13384,7 +14633,7 @@
               </a:lnSpc>
             </a:pPr>
             <a:r>
-              <a:rPr lang="en-US"/>
+              <a:rPr lang="en-US" dirty="0"/>
               <a:t>Yelp is a business directory service and crowd-sourced review forum, and a public company of the same name that is headquartered in San Francisco, California. The company develops, hosts and markets the Yelp.com website and the Yelp mobile app, which publish crowd-sourced reviews about businesses.</a:t>
             </a:r>
           </a:p>
@@ -13395,7 +14644,7 @@
               </a:lnSpc>
             </a:pPr>
             <a:r>
-              <a:rPr lang="en-US"/>
+              <a:rPr lang="en-US" dirty="0"/>
               <a:t>Yelp operates an online reservation service called Yelp Reservations.</a:t>
             </a:r>
           </a:p>
@@ -13406,7 +14655,7 @@
               </a:lnSpc>
             </a:pPr>
             <a:r>
-              <a:rPr lang="en-US"/>
+              <a:rPr lang="en-US" dirty="0"/>
               <a:t>Yelp has data that is available to the public.</a:t>
             </a:r>
           </a:p>
@@ -13417,7 +14666,7 @@
               </a:lnSpc>
             </a:pPr>
             <a:r>
-              <a:rPr lang="en-US"/>
+              <a:rPr lang="en-US" dirty="0"/>
               <a:t>Yelp has an API that can be used by new users. </a:t>
             </a:r>
           </a:p>
@@ -13469,6 +14718,35 @@
           </a:extLst>
         </p:spPr>
       </p:pic>
+      <p:sp>
+        <p:nvSpPr>
+          <p:cNvPr id="4" name="Slide Number Placeholder 3">
+            <a:extLst>
+              <a:ext uri="{FF2B5EF4-FFF2-40B4-BE49-F238E27FC236}">
+                <a16:creationId xmlns:a16="http://schemas.microsoft.com/office/drawing/2014/main" id="{056EBAFE-6888-4B23-B6FE-8947E3AB6386}"/>
+              </a:ext>
+            </a:extLst>
+          </p:cNvPr>
+          <p:cNvSpPr>
+            <a:spLocks noGrp="1"/>
+          </p:cNvSpPr>
+          <p:nvPr>
+            <p:ph type="sldNum" sz="quarter" idx="12"/>
+          </p:nvPr>
+        </p:nvSpPr>
+        <p:spPr/>
+        <p:txBody>
+          <a:bodyPr/>
+          <a:lstStyle/>
+          <a:p>
+            <a:fld id="{32B7E4A0-4EE4-406C-A5BD-11B20B5D31CC}" type="slidenum">
+              <a:rPr lang="en-US" smtClean="0"/>
+              <a:t>4</a:t>
+            </a:fld>
+            <a:endParaRPr lang="en-US"/>
+          </a:p>
+        </p:txBody>
+      </p:sp>
     </p:spTree>
     <p:extLst>
       <p:ext uri="{BB962C8B-B14F-4D97-AF65-F5344CB8AC3E}">
@@ -13585,13 +14863,8 @@
             <a:pPr lvl="1"/>
             <a:r>
               <a:rPr lang="en-US" dirty="0"/>
-              <a:t>No command of yelp API </a:t>
-            </a:r>
-            <a:r>
-              <a:rPr lang="en-US" dirty="0" err="1"/>
-              <a:t>detials</a:t>
-            </a:r>
-            <a:endParaRPr lang="en-US" dirty="0"/>
+              <a:t>No command of yelp API details</a:t>
+            </a:r>
           </a:p>
           <a:p>
             <a:pPr lvl="1"/>
@@ -13678,6 +14951,35 @@
           </a:extLst>
         </p:spPr>
       </p:pic>
+      <p:sp>
+        <p:nvSpPr>
+          <p:cNvPr id="4" name="Slide Number Placeholder 3">
+            <a:extLst>
+              <a:ext uri="{FF2B5EF4-FFF2-40B4-BE49-F238E27FC236}">
+                <a16:creationId xmlns:a16="http://schemas.microsoft.com/office/drawing/2014/main" id="{4195155C-BE65-47B3-8656-809898F9FE28}"/>
+              </a:ext>
+            </a:extLst>
+          </p:cNvPr>
+          <p:cNvSpPr>
+            <a:spLocks noGrp="1"/>
+          </p:cNvSpPr>
+          <p:nvPr>
+            <p:ph type="sldNum" sz="quarter" idx="12"/>
+          </p:nvPr>
+        </p:nvSpPr>
+        <p:spPr/>
+        <p:txBody>
+          <a:bodyPr/>
+          <a:lstStyle/>
+          <a:p>
+            <a:fld id="{32B7E4A0-4EE4-406C-A5BD-11B20B5D31CC}" type="slidenum">
+              <a:rPr lang="en-US" smtClean="0"/>
+              <a:t>5</a:t>
+            </a:fld>
+            <a:endParaRPr lang="en-US"/>
+          </a:p>
+        </p:txBody>
+      </p:sp>
     </p:spTree>
     <p:extLst>
       <p:ext uri="{BB962C8B-B14F-4D97-AF65-F5344CB8AC3E}">
@@ -14112,6 +15414,35 @@
           </a:p>
         </p:txBody>
       </p:sp>
+      <p:sp>
+        <p:nvSpPr>
+          <p:cNvPr id="3" name="Slide Number Placeholder 2">
+            <a:extLst>
+              <a:ext uri="{FF2B5EF4-FFF2-40B4-BE49-F238E27FC236}">
+                <a16:creationId xmlns:a16="http://schemas.microsoft.com/office/drawing/2014/main" id="{35CB7BF1-A1CC-4BDD-8685-8859B25957C5}"/>
+              </a:ext>
+            </a:extLst>
+          </p:cNvPr>
+          <p:cNvSpPr>
+            <a:spLocks noGrp="1"/>
+          </p:cNvSpPr>
+          <p:nvPr>
+            <p:ph type="sldNum" sz="quarter" idx="12"/>
+          </p:nvPr>
+        </p:nvSpPr>
+        <p:spPr/>
+        <p:txBody>
+          <a:bodyPr/>
+          <a:lstStyle/>
+          <a:p>
+            <a:fld id="{32B7E4A0-4EE4-406C-A5BD-11B20B5D31CC}" type="slidenum">
+              <a:rPr lang="en-US" smtClean="0"/>
+              <a:t>6</a:t>
+            </a:fld>
+            <a:endParaRPr lang="en-US"/>
+          </a:p>
+        </p:txBody>
+      </p:sp>
     </p:spTree>
     <p:extLst>
       <p:ext uri="{BB962C8B-B14F-4D97-AF65-F5344CB8AC3E}">
@@ -14203,13 +15534,13 @@
         </p:nvSpPr>
         <p:spPr>
           <a:xfrm>
-            <a:off x="677334" y="2160589"/>
-            <a:ext cx="3957349" cy="3749323"/>
+            <a:off x="677334" y="1660124"/>
+            <a:ext cx="3957349" cy="4669655"/>
           </a:xfrm>
         </p:spPr>
         <p:txBody>
           <a:bodyPr>
-            <a:normAutofit/>
+            <a:noAutofit/>
           </a:bodyPr>
           <a:lstStyle/>
           <a:p>
@@ -14219,7 +15550,7 @@
               </a:lnSpc>
             </a:pPr>
             <a:r>
-              <a:rPr lang="en-US" sz="1000"/>
+              <a:rPr lang="en-US" sz="1400" dirty="0"/>
               <a:t>How often do chain restaurants show up?</a:t>
             </a:r>
           </a:p>
@@ -14230,7 +15561,7 @@
               </a:lnSpc>
             </a:pPr>
             <a:r>
-              <a:rPr lang="en-US" sz="1000"/>
+              <a:rPr lang="en-US" sz="1400" dirty="0"/>
               <a:t>Which city has the highest concentration of popular chain restaurants?</a:t>
             </a:r>
           </a:p>
@@ -14241,7 +15572,7 @@
               </a:lnSpc>
             </a:pPr>
             <a:r>
-              <a:rPr lang="en-US" sz="1000"/>
+              <a:rPr lang="en-US" sz="1400" dirty="0"/>
               <a:t>What is the relationship between average review and review count?</a:t>
             </a:r>
           </a:p>
@@ -14252,7 +15583,7 @@
               </a:lnSpc>
             </a:pPr>
             <a:r>
-              <a:rPr lang="en-US" sz="1000"/>
+              <a:rPr lang="en-US" sz="1400" dirty="0"/>
               <a:t>What are the top 5 popular foods based on number of reviews?</a:t>
             </a:r>
           </a:p>
@@ -14263,7 +15594,7 @@
               </a:lnSpc>
             </a:pPr>
             <a:r>
-              <a:rPr lang="en-US" sz="1000"/>
+              <a:rPr lang="en-US" sz="1400" dirty="0"/>
               <a:t>What are the top 5 least popular foods based on number of reviews?</a:t>
             </a:r>
           </a:p>
@@ -14274,8 +15605,8 @@
               </a:lnSpc>
             </a:pPr>
             <a:r>
-              <a:rPr lang="en-US" sz="1000"/>
-              <a:t>What is the most popular cuisine based on ratings by individual city? (Jorge)</a:t>
+              <a:rPr lang="en-US" sz="1400" dirty="0"/>
+              <a:t>What is the most popular cuisine based on ratings by individual city?</a:t>
             </a:r>
           </a:p>
           <a:p>
@@ -14285,7 +15616,7 @@
               </a:lnSpc>
             </a:pPr>
             <a:r>
-              <a:rPr lang="en-US" sz="1000"/>
+              <a:rPr lang="en-US" sz="1400" dirty="0"/>
               <a:t>Which region has the most expensive restaurant, what does it look like visualized. </a:t>
             </a:r>
           </a:p>
@@ -14296,7 +15627,7 @@
               </a:lnSpc>
             </a:pPr>
             <a:r>
-              <a:rPr lang="en-US" sz="1000"/>
+              <a:rPr lang="en-US" sz="1400" dirty="0"/>
               <a:t>Where are the following located using maps:</a:t>
             </a:r>
           </a:p>
@@ -14307,7 +15638,7 @@
               </a:lnSpc>
             </a:pPr>
             <a:r>
-              <a:rPr lang="en-US" sz="1000"/>
+              <a:rPr lang="en-US" sz="1200" dirty="0"/>
               <a:t>5-star restaurants</a:t>
             </a:r>
           </a:p>
@@ -14318,7 +15649,7 @@
               </a:lnSpc>
             </a:pPr>
             <a:r>
-              <a:rPr lang="en-US" sz="1000"/>
+              <a:rPr lang="en-US" sz="1200" dirty="0"/>
               <a:t>4-star restaurants</a:t>
             </a:r>
           </a:p>
@@ -14329,7 +15660,7 @@
               </a:lnSpc>
             </a:pPr>
             <a:r>
-              <a:rPr lang="en-US" sz="1000"/>
+              <a:rPr lang="en-US" sz="1200" dirty="0"/>
               <a:t>3-star restaurants</a:t>
             </a:r>
           </a:p>
@@ -14381,6 +15712,35 @@
           </a:extLst>
         </p:spPr>
       </p:pic>
+      <p:sp>
+        <p:nvSpPr>
+          <p:cNvPr id="4" name="Slide Number Placeholder 3">
+            <a:extLst>
+              <a:ext uri="{FF2B5EF4-FFF2-40B4-BE49-F238E27FC236}">
+                <a16:creationId xmlns:a16="http://schemas.microsoft.com/office/drawing/2014/main" id="{44E53CED-0985-4333-89E4-2A762D358E42}"/>
+              </a:ext>
+            </a:extLst>
+          </p:cNvPr>
+          <p:cNvSpPr>
+            <a:spLocks noGrp="1"/>
+          </p:cNvSpPr>
+          <p:nvPr>
+            <p:ph type="sldNum" sz="quarter" idx="12"/>
+          </p:nvPr>
+        </p:nvSpPr>
+        <p:spPr/>
+        <p:txBody>
+          <a:bodyPr/>
+          <a:lstStyle/>
+          <a:p>
+            <a:fld id="{32B7E4A0-4EE4-406C-A5BD-11B20B5D31CC}" type="slidenum">
+              <a:rPr lang="en-US" smtClean="0"/>
+              <a:t>7</a:t>
+            </a:fld>
+            <a:endParaRPr lang="en-US"/>
+          </a:p>
+        </p:txBody>
+      </p:sp>
     </p:spTree>
     <p:extLst>
       <p:ext uri="{BB962C8B-B14F-4D97-AF65-F5344CB8AC3E}">
@@ -14719,13 +16079,8 @@
             <a:pPr lvl="1"/>
             <a:r>
               <a:rPr lang="en-US" dirty="0"/>
-              <a:t>Clean and </a:t>
-            </a:r>
-            <a:r>
-              <a:rPr lang="en-US" dirty="0" err="1"/>
-              <a:t>fitler</a:t>
-            </a:r>
-            <a:endParaRPr lang="en-US" dirty="0"/>
+              <a:t>Clean and filter</a:t>
+            </a:r>
           </a:p>
           <a:p>
             <a:r>
@@ -15369,6 +16724,35 @@
           </a:fontRef>
         </p:style>
       </p:sp>
+      <p:sp>
+        <p:nvSpPr>
+          <p:cNvPr id="5" name="Slide Number Placeholder 4">
+            <a:extLst>
+              <a:ext uri="{FF2B5EF4-FFF2-40B4-BE49-F238E27FC236}">
+                <a16:creationId xmlns:a16="http://schemas.microsoft.com/office/drawing/2014/main" id="{E4AAED60-5A42-4B80-99C5-AE1AA07EA2B3}"/>
+              </a:ext>
+            </a:extLst>
+          </p:cNvPr>
+          <p:cNvSpPr>
+            <a:spLocks noGrp="1"/>
+          </p:cNvSpPr>
+          <p:nvPr>
+            <p:ph type="sldNum" sz="quarter" idx="12"/>
+          </p:nvPr>
+        </p:nvSpPr>
+        <p:spPr/>
+        <p:txBody>
+          <a:bodyPr/>
+          <a:lstStyle/>
+          <a:p>
+            <a:fld id="{32B7E4A0-4EE4-406C-A5BD-11B20B5D31CC}" type="slidenum">
+              <a:rPr lang="en-US" smtClean="0"/>
+              <a:t>8</a:t>
+            </a:fld>
+            <a:endParaRPr lang="en-US"/>
+          </a:p>
+        </p:txBody>
+      </p:sp>
     </p:spTree>
     <p:extLst>
       <p:ext uri="{BB962C8B-B14F-4D97-AF65-F5344CB8AC3E}">
@@ -15476,7 +16860,7 @@
               </a:lnSpc>
             </a:pPr>
             <a:r>
-              <a:rPr lang="en-US" sz="1400"/>
+              <a:rPr lang="en-US" sz="1400" dirty="0"/>
               <a:t>Cities (50 were used)</a:t>
             </a:r>
           </a:p>
@@ -15487,16 +16871,16 @@
               </a:lnSpc>
             </a:pPr>
             <a:r>
-              <a:rPr lang="en-US" sz="1400"/>
+              <a:rPr lang="en-US" sz="1400" dirty="0"/>
               <a:t>US State Capitals: Internet Search </a:t>
             </a:r>
             <a:r>
-              <a:rPr lang="en-US" sz="1400">
+              <a:rPr lang="en-US" sz="1400" dirty="0">
                 <a:hlinkClick r:id="rId2"/>
               </a:rPr>
               <a:t>https://www.google.com</a:t>
             </a:r>
-            <a:endParaRPr lang="en-US" sz="1400"/>
+            <a:endParaRPr lang="en-US" sz="1400" dirty="0"/>
           </a:p>
           <a:p>
             <a:pPr lvl="1">
@@ -15504,7 +16888,7 @@
                 <a:spcPct val="90000"/>
               </a:lnSpc>
             </a:pPr>
-            <a:endParaRPr lang="en-US" sz="1400"/>
+            <a:endParaRPr lang="en-US" sz="1400" dirty="0"/>
           </a:p>
           <a:p>
             <a:pPr>
@@ -15513,7 +16897,7 @@
               </a:lnSpc>
             </a:pPr>
             <a:r>
-              <a:rPr lang="en-US" sz="1400"/>
+              <a:rPr lang="en-US" sz="1400" dirty="0"/>
               <a:t>Cuisines (20 were used): </a:t>
             </a:r>
           </a:p>
@@ -15524,16 +16908,16 @@
               </a:lnSpc>
             </a:pPr>
             <a:r>
-              <a:rPr lang="en-US" sz="1400"/>
+              <a:rPr lang="en-US" sz="1400" dirty="0"/>
               <a:t>Popular cuisines/food types per </a:t>
             </a:r>
             <a:r>
-              <a:rPr lang="en-US" sz="1400">
+              <a:rPr lang="en-US" sz="1400" dirty="0">
                 <a:hlinkClick r:id="rId3"/>
               </a:rPr>
               <a:t>https://www.herinterest.com/types-of-cuisine/</a:t>
             </a:r>
-            <a:endParaRPr lang="en-US" sz="1400"/>
+            <a:endParaRPr lang="en-US" sz="1400" dirty="0"/>
           </a:p>
           <a:p>
             <a:pPr marL="457200" lvl="1" indent="0">
@@ -15542,7 +16926,7 @@
               </a:lnSpc>
               <a:buNone/>
             </a:pPr>
-            <a:endParaRPr lang="en-US" sz="1400"/>
+            <a:endParaRPr lang="en-US" sz="1400" dirty="0"/>
           </a:p>
           <a:p>
             <a:pPr>
@@ -15551,7 +16935,7 @@
               </a:lnSpc>
             </a:pPr>
             <a:r>
-              <a:rPr lang="en-US" sz="1400"/>
+              <a:rPr lang="en-US" sz="1400" dirty="0"/>
               <a:t>API Calls (50 cities x 20 cuisines) = 1000 calls</a:t>
             </a:r>
           </a:p>
@@ -15561,7 +16945,7 @@
                 <a:spcPct val="90000"/>
               </a:lnSpc>
             </a:pPr>
-            <a:endParaRPr lang="en-US" sz="1400"/>
+            <a:endParaRPr lang="en-US" sz="1400" dirty="0"/>
           </a:p>
           <a:p>
             <a:pPr>
@@ -15570,8 +16954,8 @@
               </a:lnSpc>
             </a:pPr>
             <a:r>
-              <a:rPr lang="en-US" sz="1400"/>
-              <a:t>Over 27,000 records of data via jus API extract</a:t>
+              <a:rPr lang="en-US" sz="1400" dirty="0"/>
+              <a:t>Over 27,000 records of data via just API extract</a:t>
             </a:r>
           </a:p>
         </p:txBody>
@@ -15728,6 +17112,35 @@
             <a:schemeClr val="lt1"/>
           </a:fontRef>
         </p:style>
+      </p:sp>
+      <p:sp>
+        <p:nvSpPr>
+          <p:cNvPr id="4" name="Slide Number Placeholder 3">
+            <a:extLst>
+              <a:ext uri="{FF2B5EF4-FFF2-40B4-BE49-F238E27FC236}">
+                <a16:creationId xmlns:a16="http://schemas.microsoft.com/office/drawing/2014/main" id="{7F1F792F-0716-4518-BBE7-F1165D9C35A4}"/>
+              </a:ext>
+            </a:extLst>
+          </p:cNvPr>
+          <p:cNvSpPr>
+            <a:spLocks noGrp="1"/>
+          </p:cNvSpPr>
+          <p:nvPr>
+            <p:ph type="sldNum" sz="quarter" idx="12"/>
+          </p:nvPr>
+        </p:nvSpPr>
+        <p:spPr/>
+        <p:txBody>
+          <a:bodyPr/>
+          <a:lstStyle/>
+          <a:p>
+            <a:fld id="{32B7E4A0-4EE4-406C-A5BD-11B20B5D31CC}" type="slidenum">
+              <a:rPr lang="en-US" smtClean="0"/>
+              <a:t>9</a:t>
+            </a:fld>
+            <a:endParaRPr lang="en-US"/>
+          </a:p>
+        </p:txBody>
       </p:sp>
     </p:spTree>
     <p:extLst>
@@ -15997,4 +17410,299 @@
     </a:ext>
   </a:extLst>
 </a:theme>
+</file>
+
+<file path=ppt/theme/theme2.xml><?xml version="1.0" encoding="utf-8"?>
+<a:theme xmlns:a="http://schemas.openxmlformats.org/drawingml/2006/main" name="Office Theme">
+  <a:themeElements>
+    <a:clrScheme name="Office">
+      <a:dk1>
+        <a:sysClr val="windowText" lastClr="000000"/>
+      </a:dk1>
+      <a:lt1>
+        <a:sysClr val="window" lastClr="FFFFFF"/>
+      </a:lt1>
+      <a:dk2>
+        <a:srgbClr val="44546A"/>
+      </a:dk2>
+      <a:lt2>
+        <a:srgbClr val="E7E6E6"/>
+      </a:lt2>
+      <a:accent1>
+        <a:srgbClr val="4472C4"/>
+      </a:accent1>
+      <a:accent2>
+        <a:srgbClr val="ED7D31"/>
+      </a:accent2>
+      <a:accent3>
+        <a:srgbClr val="A5A5A5"/>
+      </a:accent3>
+      <a:accent4>
+        <a:srgbClr val="FFC000"/>
+      </a:accent4>
+      <a:accent5>
+        <a:srgbClr val="5B9BD5"/>
+      </a:accent5>
+      <a:accent6>
+        <a:srgbClr val="70AD47"/>
+      </a:accent6>
+      <a:hlink>
+        <a:srgbClr val="0563C1"/>
+      </a:hlink>
+      <a:folHlink>
+        <a:srgbClr val="954F72"/>
+      </a:folHlink>
+    </a:clrScheme>
+    <a:fontScheme name="Office">
+      <a:majorFont>
+        <a:latin typeface="Calibri Light" panose="020F0302020204030204"/>
+        <a:ea typeface=""/>
+        <a:cs typeface=""/>
+        <a:font script="Jpan" typeface="游ゴシック Light"/>
+        <a:font script="Hang" typeface="맑은 고딕"/>
+        <a:font script="Hans" typeface="等线 Light"/>
+        <a:font script="Hant" typeface="新細明體"/>
+        <a:font script="Arab" typeface="Times New Roman"/>
+        <a:font script="Hebr" typeface="Times New Roman"/>
+        <a:font script="Thai" typeface="Angsana New"/>
+        <a:font script="Ethi" typeface="Nyala"/>
+        <a:font script="Beng" typeface="Vrinda"/>
+        <a:font script="Gujr" typeface="Shruti"/>
+        <a:font script="Khmr" typeface="MoolBoran"/>
+        <a:font script="Knda" typeface="Tunga"/>
+        <a:font script="Guru" typeface="Raavi"/>
+        <a:font script="Cans" typeface="Euphemia"/>
+        <a:font script="Cher" typeface="Plantagenet Cherokee"/>
+        <a:font script="Yiii" typeface="Microsoft Yi Baiti"/>
+        <a:font script="Tibt" typeface="Microsoft Himalaya"/>
+        <a:font script="Thaa" typeface="MV Boli"/>
+        <a:font script="Deva" typeface="Mangal"/>
+        <a:font script="Telu" typeface="Gautami"/>
+        <a:font script="Taml" typeface="Latha"/>
+        <a:font script="Syrc" typeface="Estrangelo Edessa"/>
+        <a:font script="Orya" typeface="Kalinga"/>
+        <a:font script="Mlym" typeface="Kartika"/>
+        <a:font script="Laoo" typeface="DokChampa"/>
+        <a:font script="Sinh" typeface="Iskoola Pota"/>
+        <a:font script="Mong" typeface="Mongolian Baiti"/>
+        <a:font script="Viet" typeface="Times New Roman"/>
+        <a:font script="Uigh" typeface="Microsoft Uighur"/>
+        <a:font script="Geor" typeface="Sylfaen"/>
+        <a:font script="Armn" typeface="Arial"/>
+        <a:font script="Bugi" typeface="Leelawadee UI"/>
+        <a:font script="Bopo" typeface="Microsoft JhengHei"/>
+        <a:font script="Java" typeface="Javanese Text"/>
+        <a:font script="Lisu" typeface="Segoe UI"/>
+        <a:font script="Mymr" typeface="Myanmar Text"/>
+        <a:font script="Nkoo" typeface="Ebrima"/>
+        <a:font script="Olck" typeface="Nirmala UI"/>
+        <a:font script="Osma" typeface="Ebrima"/>
+        <a:font script="Phag" typeface="Phagspa"/>
+        <a:font script="Syrn" typeface="Estrangelo Edessa"/>
+        <a:font script="Syrj" typeface="Estrangelo Edessa"/>
+        <a:font script="Syre" typeface="Estrangelo Edessa"/>
+        <a:font script="Sora" typeface="Nirmala UI"/>
+        <a:font script="Tale" typeface="Microsoft Tai Le"/>
+        <a:font script="Talu" typeface="Microsoft New Tai Lue"/>
+        <a:font script="Tfng" typeface="Ebrima"/>
+      </a:majorFont>
+      <a:minorFont>
+        <a:latin typeface="Calibri" panose="020F0502020204030204"/>
+        <a:ea typeface=""/>
+        <a:cs typeface=""/>
+        <a:font script="Jpan" typeface="游ゴシック"/>
+        <a:font script="Hang" typeface="맑은 고딕"/>
+        <a:font script="Hans" typeface="等线"/>
+        <a:font script="Hant" typeface="新細明體"/>
+        <a:font script="Arab" typeface="Arial"/>
+        <a:font script="Hebr" typeface="Arial"/>
+        <a:font script="Thai" typeface="Cordia New"/>
+        <a:font script="Ethi" typeface="Nyala"/>
+        <a:font script="Beng" typeface="Vrinda"/>
+        <a:font script="Gujr" typeface="Shruti"/>
+        <a:font script="Khmr" typeface="DaunPenh"/>
+        <a:font script="Knda" typeface="Tunga"/>
+        <a:font script="Guru" typeface="Raavi"/>
+        <a:font script="Cans" typeface="Euphemia"/>
+        <a:font script="Cher" typeface="Plantagenet Cherokee"/>
+        <a:font script="Yiii" typeface="Microsoft Yi Baiti"/>
+        <a:font script="Tibt" typeface="Microsoft Himalaya"/>
+        <a:font script="Thaa" typeface="MV Boli"/>
+        <a:font script="Deva" typeface="Mangal"/>
+        <a:font script="Telu" typeface="Gautami"/>
+        <a:font script="Taml" typeface="Latha"/>
+        <a:font script="Syrc" typeface="Estrangelo Edessa"/>
+        <a:font script="Orya" typeface="Kalinga"/>
+        <a:font script="Mlym" typeface="Kartika"/>
+        <a:font script="Laoo" typeface="DokChampa"/>
+        <a:font script="Sinh" typeface="Iskoola Pota"/>
+        <a:font script="Mong" typeface="Mongolian Baiti"/>
+        <a:font script="Viet" typeface="Arial"/>
+        <a:font script="Uigh" typeface="Microsoft Uighur"/>
+        <a:font script="Geor" typeface="Sylfaen"/>
+        <a:font script="Armn" typeface="Arial"/>
+        <a:font script="Bugi" typeface="Leelawadee UI"/>
+        <a:font script="Bopo" typeface="Microsoft JhengHei"/>
+        <a:font script="Java" typeface="Javanese Text"/>
+        <a:font script="Lisu" typeface="Segoe UI"/>
+        <a:font script="Mymr" typeface="Myanmar Text"/>
+        <a:font script="Nkoo" typeface="Ebrima"/>
+        <a:font script="Olck" typeface="Nirmala UI"/>
+        <a:font script="Osma" typeface="Ebrima"/>
+        <a:font script="Phag" typeface="Phagspa"/>
+        <a:font script="Syrn" typeface="Estrangelo Edessa"/>
+        <a:font script="Syrj" typeface="Estrangelo Edessa"/>
+        <a:font script="Syre" typeface="Estrangelo Edessa"/>
+        <a:font script="Sora" typeface="Nirmala UI"/>
+        <a:font script="Tale" typeface="Microsoft Tai Le"/>
+        <a:font script="Talu" typeface="Microsoft New Tai Lue"/>
+        <a:font script="Tfng" typeface="Ebrima"/>
+      </a:minorFont>
+    </a:fontScheme>
+    <a:fmtScheme name="Office">
+      <a:fillStyleLst>
+        <a:solidFill>
+          <a:schemeClr val="phClr"/>
+        </a:solidFill>
+        <a:gradFill rotWithShape="1">
+          <a:gsLst>
+            <a:gs pos="0">
+              <a:schemeClr val="phClr">
+                <a:lumMod val="110000"/>
+                <a:satMod val="105000"/>
+                <a:tint val="67000"/>
+              </a:schemeClr>
+            </a:gs>
+            <a:gs pos="50000">
+              <a:schemeClr val="phClr">
+                <a:lumMod val="105000"/>
+                <a:satMod val="103000"/>
+                <a:tint val="73000"/>
+              </a:schemeClr>
+            </a:gs>
+            <a:gs pos="100000">
+              <a:schemeClr val="phClr">
+                <a:lumMod val="105000"/>
+                <a:satMod val="109000"/>
+                <a:tint val="81000"/>
+              </a:schemeClr>
+            </a:gs>
+          </a:gsLst>
+          <a:lin ang="5400000" scaled="0"/>
+        </a:gradFill>
+        <a:gradFill rotWithShape="1">
+          <a:gsLst>
+            <a:gs pos="0">
+              <a:schemeClr val="phClr">
+                <a:satMod val="103000"/>
+                <a:lumMod val="102000"/>
+                <a:tint val="94000"/>
+              </a:schemeClr>
+            </a:gs>
+            <a:gs pos="50000">
+              <a:schemeClr val="phClr">
+                <a:satMod val="110000"/>
+                <a:lumMod val="100000"/>
+                <a:shade val="100000"/>
+              </a:schemeClr>
+            </a:gs>
+            <a:gs pos="100000">
+              <a:schemeClr val="phClr">
+                <a:lumMod val="99000"/>
+                <a:satMod val="120000"/>
+                <a:shade val="78000"/>
+              </a:schemeClr>
+            </a:gs>
+          </a:gsLst>
+          <a:lin ang="5400000" scaled="0"/>
+        </a:gradFill>
+      </a:fillStyleLst>
+      <a:lnStyleLst>
+        <a:ln w="6350" cap="flat" cmpd="sng" algn="ctr">
+          <a:solidFill>
+            <a:schemeClr val="phClr"/>
+          </a:solidFill>
+          <a:prstDash val="solid"/>
+          <a:miter lim="800000"/>
+        </a:ln>
+        <a:ln w="12700" cap="flat" cmpd="sng" algn="ctr">
+          <a:solidFill>
+            <a:schemeClr val="phClr"/>
+          </a:solidFill>
+          <a:prstDash val="solid"/>
+          <a:miter lim="800000"/>
+        </a:ln>
+        <a:ln w="19050" cap="flat" cmpd="sng" algn="ctr">
+          <a:solidFill>
+            <a:schemeClr val="phClr"/>
+          </a:solidFill>
+          <a:prstDash val="solid"/>
+          <a:miter lim="800000"/>
+        </a:ln>
+      </a:lnStyleLst>
+      <a:effectStyleLst>
+        <a:effectStyle>
+          <a:effectLst/>
+        </a:effectStyle>
+        <a:effectStyle>
+          <a:effectLst/>
+        </a:effectStyle>
+        <a:effectStyle>
+          <a:effectLst>
+            <a:outerShdw blurRad="57150" dist="19050" dir="5400000" algn="ctr" rotWithShape="0">
+              <a:srgbClr val="000000">
+                <a:alpha val="63000"/>
+              </a:srgbClr>
+            </a:outerShdw>
+          </a:effectLst>
+        </a:effectStyle>
+      </a:effectStyleLst>
+      <a:bgFillStyleLst>
+        <a:solidFill>
+          <a:schemeClr val="phClr"/>
+        </a:solidFill>
+        <a:solidFill>
+          <a:schemeClr val="phClr">
+            <a:tint val="95000"/>
+            <a:satMod val="170000"/>
+          </a:schemeClr>
+        </a:solidFill>
+        <a:gradFill rotWithShape="1">
+          <a:gsLst>
+            <a:gs pos="0">
+              <a:schemeClr val="phClr">
+                <a:tint val="93000"/>
+                <a:satMod val="150000"/>
+                <a:shade val="98000"/>
+                <a:lumMod val="102000"/>
+              </a:schemeClr>
+            </a:gs>
+            <a:gs pos="50000">
+              <a:schemeClr val="phClr">
+                <a:tint val="98000"/>
+                <a:satMod val="130000"/>
+                <a:shade val="90000"/>
+                <a:lumMod val="103000"/>
+              </a:schemeClr>
+            </a:gs>
+            <a:gs pos="100000">
+              <a:schemeClr val="phClr">
+                <a:shade val="63000"/>
+                <a:satMod val="120000"/>
+              </a:schemeClr>
+            </a:gs>
+          </a:gsLst>
+          <a:lin ang="5400000" scaled="0"/>
+        </a:gradFill>
+      </a:bgFillStyleLst>
+    </a:fmtScheme>
+  </a:themeElements>
+  <a:objectDefaults/>
+  <a:extraClrSchemeLst/>
+  <a:extLst>
+    <a:ext uri="{05A4C25C-085E-4340-85A3-A5531E510DB2}">
+      <thm15:themeFamily xmlns:thm15="http://schemas.microsoft.com/office/thememl/2012/main" name="Office Theme" id="{62F939B6-93AF-4DB8-9C6B-D6C7DFDC589F}" vid="{4A3C46E8-61CC-4603-A589-7422A47A8E4A}"/>
+    </a:ext>
+  </a:extLst>
+</a:theme>
 </file>